--- a/M10615110/KDD-CUP-FINAL-REPORT.pptx
+++ b/M10615110/KDD-CUP-FINAL-REPORT.pptx
@@ -2,22 +2,24 @@
 <file path=ppt/presentation.xml><?xml version="1.0" encoding="utf-8"?>
 <p:presentation xmlns:a="http://schemas.openxmlformats.org/drawingml/2006/main" xmlns:r="http://schemas.openxmlformats.org/officeDocument/2006/relationships" xmlns:p="http://schemas.openxmlformats.org/presentationml/2006/main" saveSubsetFonts="1">
   <p:sldMasterIdLst>
-    <p:sldMasterId id="2147483684" r:id="rId1"/>
+    <p:sldMasterId id="2147483696" r:id="rId1"/>
   </p:sldMasterIdLst>
   <p:notesMasterIdLst>
-    <p:notesMasterId r:id="rId12"/>
+    <p:notesMasterId r:id="rId14"/>
   </p:notesMasterIdLst>
   <p:sldIdLst>
     <p:sldId id="256" r:id="rId2"/>
     <p:sldId id="260" r:id="rId3"/>
     <p:sldId id="264" r:id="rId4"/>
-    <p:sldId id="265" r:id="rId5"/>
-    <p:sldId id="268" r:id="rId6"/>
-    <p:sldId id="267" r:id="rId7"/>
-    <p:sldId id="266" r:id="rId8"/>
-    <p:sldId id="262" r:id="rId9"/>
-    <p:sldId id="269" r:id="rId10"/>
-    <p:sldId id="270" r:id="rId11"/>
+    <p:sldId id="271" r:id="rId5"/>
+    <p:sldId id="265" r:id="rId6"/>
+    <p:sldId id="268" r:id="rId7"/>
+    <p:sldId id="267" r:id="rId8"/>
+    <p:sldId id="272" r:id="rId9"/>
+    <p:sldId id="266" r:id="rId10"/>
+    <p:sldId id="262" r:id="rId11"/>
+    <p:sldId id="269" r:id="rId12"/>
+    <p:sldId id="270" r:id="rId13"/>
   </p:sldIdLst>
   <p:sldSz cx="12192000" cy="6858000"/>
   <p:notesSz cx="6858000" cy="9144000"/>
@@ -206,7 +208,7 @@
           <a:p>
             <a:fld id="{859B2E06-76DF-45F7-80DD-A85F62B7B986}" type="datetimeFigureOut">
               <a:rPr lang="zh-TW" altLang="en-US" smtClean="0"/>
-              <a:t>2019/6/12</a:t>
+              <a:t>2019/6/13</a:t>
             </a:fld>
             <a:endParaRPr lang="zh-TW" altLang="en-US"/>
           </a:p>
@@ -498,34 +500,15 @@
         </p:nvSpPr>
         <p:spPr>
           <a:xfrm>
-            <a:off x="920834" y="1346946"/>
-            <a:ext cx="10222992" cy="80683"/>
+            <a:off x="3175" y="6400800"/>
+            <a:ext cx="12188825" cy="457200"/>
           </a:xfrm>
           <a:prstGeom prst="rect">
             <a:avLst/>
           </a:prstGeom>
-          <a:blipFill dpi="0" rotWithShape="1">
-            <a:blip r:embed="rId2">
-              <a:alphaModFix amt="80000"/>
-              <a:lum bright="70000" contrast="-70000"/>
-              <a:extLst>
-                <a:ext uri="{BEBA8EAE-BF5A-486C-A8C5-ECC9F3942E4B}">
-                  <a14:imgProps xmlns:a14="http://schemas.microsoft.com/office/drawing/2010/main">
-                    <a14:imgLayer r:embed="rId3">
-                      <a14:imgEffect>
-                        <a14:sharpenSoften amount="61000"/>
-                      </a14:imgEffect>
-                    </a14:imgLayer>
-                  </a14:imgProps>
-                </a:ext>
-                <a:ext uri="{28A0092B-C50C-407E-A947-70E740481C1C}">
-                  <a14:useLocalDpi xmlns:a14="http://schemas.microsoft.com/office/drawing/2010/main" val="0"/>
-                </a:ext>
-              </a:extLst>
-            </a:blip>
-            <a:srcRect/>
-            <a:tile tx="0" ty="-762000" sx="92000" sy="89000" flip="xy" algn="ctr"/>
-          </a:blipFill>
+          <a:solidFill>
+            <a:schemeClr val="accent2"/>
+          </a:solidFill>
           <a:ln>
             <a:noFill/>
           </a:ln>
@@ -555,34 +538,15 @@
         </p:nvSpPr>
         <p:spPr>
           <a:xfrm>
-            <a:off x="920834" y="4282762"/>
-            <a:ext cx="10222992" cy="80683"/>
+            <a:off x="15" y="6334316"/>
+            <a:ext cx="12188825" cy="64008"/>
           </a:xfrm>
           <a:prstGeom prst="rect">
             <a:avLst/>
           </a:prstGeom>
-          <a:blipFill dpi="0" rotWithShape="1">
-            <a:blip r:embed="rId2">
-              <a:alphaModFix amt="80000"/>
-              <a:lum bright="70000" contrast="-70000"/>
-              <a:extLst>
-                <a:ext uri="{BEBA8EAE-BF5A-486C-A8C5-ECC9F3942E4B}">
-                  <a14:imgProps xmlns:a14="http://schemas.microsoft.com/office/drawing/2010/main">
-                    <a14:imgLayer r:embed="rId3">
-                      <a14:imgEffect>
-                        <a14:sharpenSoften amount="61000"/>
-                      </a14:imgEffect>
-                    </a14:imgLayer>
-                  </a14:imgProps>
-                </a:ext>
-                <a:ext uri="{28A0092B-C50C-407E-A947-70E740481C1C}">
-                  <a14:useLocalDpi xmlns:a14="http://schemas.microsoft.com/office/drawing/2010/main" val="0"/>
-                </a:ext>
-              </a:extLst>
-            </a:blip>
-            <a:srcRect/>
-            <a:tile tx="0" ty="-717550" sx="92000" sy="89000" flip="xy" algn="ctr"/>
-          </a:blipFill>
+          <a:solidFill>
+            <a:schemeClr val="accent1"/>
+          </a:solidFill>
           <a:ln>
             <a:noFill/>
           </a:ln>
@@ -606,176 +570,36 @@
       </p:sp>
       <p:sp>
         <p:nvSpPr>
-          <p:cNvPr id="9" name="Rectangle 8"/>
-          <p:cNvSpPr/>
-          <p:nvPr/>
+          <p:cNvPr id="2" name="Title 1"/>
+          <p:cNvSpPr>
+            <a:spLocks noGrp="1"/>
+          </p:cNvSpPr>
+          <p:nvPr>
+            <p:ph type="ctrTitle"/>
+          </p:nvPr>
         </p:nvSpPr>
         <p:spPr>
           <a:xfrm>
-            <a:off x="920834" y="1484779"/>
-            <a:ext cx="10222992" cy="2743200"/>
-          </a:xfrm>
-          <a:prstGeom prst="rect">
-            <a:avLst/>
-          </a:prstGeom>
-          <a:blipFill dpi="0" rotWithShape="1">
-            <a:blip r:embed="rId2">
-              <a:alphaModFix amt="80000"/>
-              <a:lum bright="70000" contrast="-70000"/>
-              <a:extLst>
-                <a:ext uri="{BEBA8EAE-BF5A-486C-A8C5-ECC9F3942E4B}">
-                  <a14:imgProps xmlns:a14="http://schemas.microsoft.com/office/drawing/2010/main">
-                    <a14:imgLayer r:embed="rId3">
-                      <a14:imgEffect>
-                        <a14:sharpenSoften amount="61000"/>
-                      </a14:imgEffect>
-                    </a14:imgLayer>
-                  </a14:imgProps>
-                </a:ext>
-                <a:ext uri="{28A0092B-C50C-407E-A947-70E740481C1C}">
-                  <a14:useLocalDpi xmlns:a14="http://schemas.microsoft.com/office/drawing/2010/main" val="0"/>
-                </a:ext>
-              </a:extLst>
-            </a:blip>
-            <a:srcRect/>
-            <a:tile tx="0" ty="-704850" sx="92000" sy="89000" flip="xy" algn="ctr"/>
-          </a:blipFill>
-          <a:ln>
-            <a:noFill/>
-          </a:ln>
-        </p:spPr>
-        <p:style>
-          <a:lnRef idx="2">
-            <a:schemeClr val="accent1">
-              <a:shade val="50000"/>
-            </a:schemeClr>
-          </a:lnRef>
-          <a:fillRef idx="1">
-            <a:schemeClr val="accent1"/>
-          </a:fillRef>
-          <a:effectRef idx="0">
-            <a:schemeClr val="accent1"/>
-          </a:effectRef>
-          <a:fontRef idx="minor">
-            <a:schemeClr val="lt1"/>
-          </a:fontRef>
-        </p:style>
-      </p:sp>
-      <p:grpSp>
-        <p:nvGrpSpPr>
-          <p:cNvPr id="10" name="Group 9"/>
-          <p:cNvGrpSpPr/>
-          <p:nvPr/>
-        </p:nvGrpSpPr>
-        <p:grpSpPr>
-          <a:xfrm>
-            <a:off x="9649215" y="4068923"/>
-            <a:ext cx="1080904" cy="1080902"/>
-            <a:chOff x="9685338" y="4460675"/>
-            <a:chExt cx="1080904" cy="1080902"/>
-          </a:xfrm>
-        </p:grpSpPr>
-        <p:sp>
-          <p:nvSpPr>
-            <p:cNvPr id="11" name="Oval 10"/>
-            <p:cNvSpPr/>
-            <p:nvPr/>
-          </p:nvSpPr>
-          <p:spPr>
-            <a:xfrm>
-              <a:off x="9685338" y="4460675"/>
-              <a:ext cx="1080904" cy="1080902"/>
-            </a:xfrm>
-            <a:prstGeom prst="ellipse">
-              <a:avLst/>
-            </a:prstGeom>
-            <a:blipFill dpi="0" rotWithShape="1">
-              <a:blip r:embed="rId4">
-                <a:duotone>
-                  <a:schemeClr val="accent2">
-                    <a:shade val="45000"/>
-                    <a:satMod val="135000"/>
-                  </a:schemeClr>
-                  <a:prstClr val="white"/>
-                </a:duotone>
-                <a:extLst>
-                  <a:ext uri="{BEBA8EAE-BF5A-486C-A8C5-ECC9F3942E4B}">
-                    <a14:imgProps xmlns:a14="http://schemas.microsoft.com/office/drawing/2010/main">
-                      <a14:imgLayer r:embed="rId5">
-                        <a14:imgEffect>
-                          <a14:saturation sat="95000"/>
-                        </a14:imgEffect>
-                      </a14:imgLayer>
-                    </a14:imgProps>
-                  </a:ext>
-                </a:extLst>
-              </a:blip>
-              <a:srcRect/>
-              <a:tile tx="0" ty="0" sx="85000" sy="85000" flip="none" algn="tl"/>
-            </a:blipFill>
-            <a:ln w="25400" cap="flat" cmpd="sng" algn="ctr">
-              <a:noFill/>
-              <a:prstDash val="solid"/>
-            </a:ln>
-            <a:effectLst/>
-          </p:spPr>
-        </p:sp>
-        <p:sp>
-          <p:nvSpPr>
-            <p:cNvPr id="12" name="Oval 11"/>
-            <p:cNvSpPr/>
-            <p:nvPr/>
-          </p:nvSpPr>
-          <p:spPr>
-            <a:xfrm>
-              <a:off x="9793429" y="4568765"/>
-              <a:ext cx="864723" cy="864722"/>
-            </a:xfrm>
-            <a:prstGeom prst="ellipse">
-              <a:avLst/>
-            </a:prstGeom>
-            <a:noFill/>
-            <a:ln w="25400" cap="flat" cmpd="sng" algn="ctr">
-              <a:solidFill>
-                <a:sysClr val="window" lastClr="FFFFFF"/>
-              </a:solidFill>
-              <a:prstDash val="solid"/>
-            </a:ln>
-            <a:effectLst/>
-          </p:spPr>
-        </p:sp>
-      </p:grpSp>
-      <p:sp>
-        <p:nvSpPr>
-          <p:cNvPr id="2" name="Title 1"/>
-          <p:cNvSpPr>
-            <a:spLocks noGrp="1"/>
-          </p:cNvSpPr>
-          <p:nvPr>
-            <p:ph type="ctrTitle"/>
-          </p:nvPr>
-        </p:nvSpPr>
-        <p:spPr>
-          <a:xfrm>
-            <a:off x="1051560" y="1432223"/>
-            <a:ext cx="9966960" cy="3035808"/>
+            <a:off x="1097280" y="758952"/>
+            <a:ext cx="10058400" cy="3566160"/>
           </a:xfrm>
         </p:spPr>
         <p:txBody>
-          <a:bodyPr anchor="ctr">
-            <a:noAutofit/>
+          <a:bodyPr anchor="b">
+            <a:normAutofit/>
           </a:bodyPr>
           <a:lstStyle>
             <a:lvl1pPr algn="l">
               <a:lnSpc>
                 <a:spcPct val="85000"/>
               </a:lnSpc>
-              <a:defRPr sz="7200" b="1" cap="none" baseline="0">
-                <a:blipFill dpi="0" rotWithShape="1">
-                  <a:blip r:embed="rId4"/>
-                  <a:srcRect/>
-                  <a:tile tx="6350" ty="-127000" sx="65000" sy="64000" flip="none" algn="tl"/>
-                </a:blipFill>
+              <a:defRPr sz="8000" spc="-50" baseline="0">
+                <a:solidFill>
+                  <a:schemeClr val="tx1">
+                    <a:lumMod val="85000"/>
+                    <a:lumOff val="15000"/>
+                  </a:schemeClr>
+                </a:solidFill>
               </a:defRPr>
             </a:lvl1pPr>
           </a:lstStyle>
@@ -800,32 +624,31 @@
         </p:nvSpPr>
         <p:spPr>
           <a:xfrm>
-            <a:off x="1069848" y="4389120"/>
-            <a:ext cx="7891272" cy="1069848"/>
+            <a:off x="1100051" y="4455620"/>
+            <a:ext cx="10058400" cy="1143000"/>
           </a:xfrm>
         </p:spPr>
         <p:txBody>
-          <a:bodyPr>
+          <a:bodyPr lIns="91440" rIns="91440">
             <a:normAutofit/>
           </a:bodyPr>
           <a:lstStyle>
             <a:lvl1pPr marL="0" indent="0" algn="l">
               <a:buNone/>
-              <a:defRPr sz="2000" b="1">
+              <a:defRPr sz="2400" cap="all" spc="200" baseline="0">
                 <a:solidFill>
-                  <a:schemeClr val="accent2">
-                    <a:lumMod val="75000"/>
-                  </a:schemeClr>
+                  <a:schemeClr val="tx2"/>
                 </a:solidFill>
+                <a:latin typeface="+mj-lt"/>
               </a:defRPr>
             </a:lvl1pPr>
             <a:lvl2pPr marL="457200" indent="0" algn="ctr">
               <a:buNone/>
-              <a:defRPr sz="2000"/>
+              <a:defRPr sz="2400"/>
             </a:lvl2pPr>
             <a:lvl3pPr marL="914400" indent="0" algn="ctr">
               <a:buNone/>
-              <a:defRPr sz="2000"/>
+              <a:defRPr sz="2400"/>
             </a:lvl3pPr>
             <a:lvl4pPr marL="1371600" indent="0" algn="ctr">
               <a:buNone/>
@@ -878,7 +701,7 @@
           <a:p>
             <a:fld id="{EE5AC2F0-1CB8-4141-B449-5CCF279E5ED2}" type="datetimeFigureOut">
               <a:rPr lang="zh-TW" altLang="en-US" smtClean="0"/>
-              <a:t>2019/6/12</a:t>
+              <a:t>2019/6/13</a:t>
             </a:fld>
             <a:endParaRPr lang="zh-TW" altLang="en-US"/>
           </a:p>
@@ -913,19 +736,10 @@
             <p:ph type="sldNum" sz="quarter" idx="12"/>
           </p:nvPr>
         </p:nvSpPr>
-        <p:spPr>
-          <a:xfrm>
-            <a:off x="9592733" y="4289334"/>
-            <a:ext cx="1193868" cy="640080"/>
-          </a:xfrm>
-        </p:spPr>
+        <p:spPr/>
         <p:txBody>
           <a:bodyPr/>
-          <a:lstStyle>
-            <a:lvl1pPr>
-              <a:defRPr sz="2800" b="1"/>
-            </a:lvl1pPr>
-          </a:lstStyle>
+          <a:lstStyle/>
           <a:p>
             <a:fld id="{981E79C0-36C6-4847-9EB3-5985AA6A77D5}" type="slidenum">
               <a:rPr lang="zh-TW" altLang="en-US" smtClean="0"/>
@@ -935,10 +749,48 @@
           </a:p>
         </p:txBody>
       </p:sp>
+      <p:cxnSp>
+        <p:nvCxnSpPr>
+          <p:cNvPr id="9" name="Straight Connector 8"/>
+          <p:cNvCxnSpPr/>
+          <p:nvPr/>
+        </p:nvCxnSpPr>
+        <p:spPr>
+          <a:xfrm>
+            <a:off x="1207658" y="4343400"/>
+            <a:ext cx="9875520" cy="0"/>
+          </a:xfrm>
+          <a:prstGeom prst="line">
+            <a:avLst/>
+          </a:prstGeom>
+          <a:ln w="6350">
+            <a:solidFill>
+              <a:schemeClr val="tx1">
+                <a:lumMod val="50000"/>
+                <a:lumOff val="50000"/>
+              </a:schemeClr>
+            </a:solidFill>
+          </a:ln>
+        </p:spPr>
+        <p:style>
+          <a:lnRef idx="1">
+            <a:schemeClr val="accent1"/>
+          </a:lnRef>
+          <a:fillRef idx="0">
+            <a:schemeClr val="accent1"/>
+          </a:fillRef>
+          <a:effectRef idx="0">
+            <a:schemeClr val="accent1"/>
+          </a:effectRef>
+          <a:fontRef idx="minor">
+            <a:schemeClr val="tx1"/>
+          </a:fontRef>
+        </p:style>
+      </p:cxnSp>
     </p:spTree>
     <p:extLst>
       <p:ext uri="{BB962C8B-B14F-4D97-AF65-F5344CB8AC3E}">
-        <p14:creationId xmlns:p14="http://schemas.microsoft.com/office/powerpoint/2010/main" val="1722574984"/>
+        <p14:creationId xmlns:p14="http://schemas.microsoft.com/office/powerpoint/2010/main" val="1507635892"/>
       </p:ext>
     </p:extLst>
   </p:cSld>
@@ -1000,7 +852,7 @@
         </p:nvSpPr>
         <p:spPr/>
         <p:txBody>
-          <a:bodyPr vert="eaVert"/>
+          <a:bodyPr vert="eaVert" lIns="45720" tIns="0" rIns="45720" bIns="0"/>
           <a:lstStyle/>
           <a:p>
             <a:pPr lvl="0"/>
@@ -1057,7 +909,7 @@
           <a:p>
             <a:fld id="{EE5AC2F0-1CB8-4141-B449-5CCF279E5ED2}" type="datetimeFigureOut">
               <a:rPr lang="zh-TW" altLang="en-US" smtClean="0"/>
-              <a:t>2019/6/12</a:t>
+              <a:t>2019/6/13</a:t>
             </a:fld>
             <a:endParaRPr lang="zh-TW" altLang="en-US"/>
           </a:p>
@@ -1108,7 +960,7 @@
     </p:spTree>
     <p:extLst>
       <p:ext uri="{BB962C8B-B14F-4D97-AF65-F5344CB8AC3E}">
-        <p14:creationId xmlns:p14="http://schemas.microsoft.com/office/powerpoint/2010/main" val="3116594837"/>
+        <p14:creationId xmlns:p14="http://schemas.microsoft.com/office/powerpoint/2010/main" val="266194160"/>
       </p:ext>
     </p:extLst>
   </p:cSld>
@@ -1119,7 +971,7 @@
 </file>
 
 <file path=ppt/slideLayouts/slideLayout11.xml><?xml version="1.0" encoding="utf-8"?>
-<p:sldLayout xmlns:a="http://schemas.openxmlformats.org/drawingml/2006/main" xmlns:r="http://schemas.openxmlformats.org/officeDocument/2006/relationships" xmlns:p="http://schemas.openxmlformats.org/presentationml/2006/main" type="vertTitleAndTx" preserve="1">
+<p:sldLayout xmlns:a="http://schemas.openxmlformats.org/drawingml/2006/main" xmlns:r="http://schemas.openxmlformats.org/officeDocument/2006/relationships" xmlns:p="http://schemas.openxmlformats.org/presentationml/2006/main" showMasterSp="0" type="vertTitleAndTx" preserve="1">
   <p:cSld name="直排標題及文字">
     <p:spTree>
       <p:nvGrpSpPr>
@@ -1137,18 +989,94 @@
       </p:grpSpPr>
       <p:sp>
         <p:nvSpPr>
-          <p:cNvPr id="2" name="Vertical Title 1"/>
-          <p:cNvSpPr>
-            <a:spLocks noGrp="1"/>
-          </p:cNvSpPr>
-          <p:nvPr>
-            <p:ph type="title" orient="vert"/>
-          </p:nvPr>
+          <p:cNvPr id="7" name="Rectangle 6"/>
+          <p:cNvSpPr/>
+          <p:nvPr/>
         </p:nvSpPr>
         <p:spPr>
           <a:xfrm>
-            <a:off x="8724900" y="533400"/>
-            <a:ext cx="2552700" cy="5638800"/>
+            <a:off x="3175" y="6400800"/>
+            <a:ext cx="12188825" cy="457200"/>
+          </a:xfrm>
+          <a:prstGeom prst="rect">
+            <a:avLst/>
+          </a:prstGeom>
+          <a:solidFill>
+            <a:schemeClr val="accent2"/>
+          </a:solidFill>
+          <a:ln>
+            <a:noFill/>
+          </a:ln>
+        </p:spPr>
+        <p:style>
+          <a:lnRef idx="2">
+            <a:schemeClr val="accent1">
+              <a:shade val="50000"/>
+            </a:schemeClr>
+          </a:lnRef>
+          <a:fillRef idx="1">
+            <a:schemeClr val="accent1"/>
+          </a:fillRef>
+          <a:effectRef idx="0">
+            <a:schemeClr val="accent1"/>
+          </a:effectRef>
+          <a:fontRef idx="minor">
+            <a:schemeClr val="lt1"/>
+          </a:fontRef>
+        </p:style>
+      </p:sp>
+      <p:sp>
+        <p:nvSpPr>
+          <p:cNvPr id="8" name="Rectangle 7"/>
+          <p:cNvSpPr/>
+          <p:nvPr/>
+        </p:nvSpPr>
+        <p:spPr>
+          <a:xfrm>
+            <a:off x="15" y="6334316"/>
+            <a:ext cx="12188825" cy="64008"/>
+          </a:xfrm>
+          <a:prstGeom prst="rect">
+            <a:avLst/>
+          </a:prstGeom>
+          <a:solidFill>
+            <a:schemeClr val="accent1"/>
+          </a:solidFill>
+          <a:ln>
+            <a:noFill/>
+          </a:ln>
+        </p:spPr>
+        <p:style>
+          <a:lnRef idx="2">
+            <a:schemeClr val="accent1">
+              <a:shade val="50000"/>
+            </a:schemeClr>
+          </a:lnRef>
+          <a:fillRef idx="1">
+            <a:schemeClr val="accent1"/>
+          </a:fillRef>
+          <a:effectRef idx="0">
+            <a:schemeClr val="accent1"/>
+          </a:effectRef>
+          <a:fontRef idx="minor">
+            <a:schemeClr val="lt1"/>
+          </a:fontRef>
+        </p:style>
+      </p:sp>
+      <p:sp>
+        <p:nvSpPr>
+          <p:cNvPr id="2" name="Vertical Title 1"/>
+          <p:cNvSpPr>
+            <a:spLocks noGrp="1"/>
+          </p:cNvSpPr>
+          <p:nvPr>
+            <p:ph type="title" orient="vert"/>
+          </p:nvPr>
+        </p:nvSpPr>
+        <p:spPr>
+          <a:xfrm>
+            <a:off x="8724900" y="414778"/>
+            <a:ext cx="2628900" cy="5757421"/>
           </a:xfrm>
         </p:spPr>
         <p:txBody>
@@ -1175,12 +1103,12 @@
         </p:nvSpPr>
         <p:spPr>
           <a:xfrm>
-            <a:off x="1066800" y="533400"/>
-            <a:ext cx="7505700" cy="5638800"/>
+            <a:off x="838200" y="414778"/>
+            <a:ext cx="7734300" cy="5757422"/>
           </a:xfrm>
         </p:spPr>
         <p:txBody>
-          <a:bodyPr vert="eaVert"/>
+          <a:bodyPr vert="eaVert" lIns="45720" tIns="0" rIns="45720" bIns="0"/>
           <a:lstStyle/>
           <a:p>
             <a:pPr lvl="0"/>
@@ -1237,7 +1165,7 @@
           <a:p>
             <a:fld id="{EE5AC2F0-1CB8-4141-B449-5CCF279E5ED2}" type="datetimeFigureOut">
               <a:rPr lang="zh-TW" altLang="en-US" smtClean="0"/>
-              <a:t>2019/6/12</a:t>
+              <a:t>2019/6/13</a:t>
             </a:fld>
             <a:endParaRPr lang="zh-TW" altLang="en-US"/>
           </a:p>
@@ -1288,7 +1216,7 @@
     </p:spTree>
     <p:extLst>
       <p:ext uri="{BB962C8B-B14F-4D97-AF65-F5344CB8AC3E}">
-        <p14:creationId xmlns:p14="http://schemas.microsoft.com/office/powerpoint/2010/main" val="1419349245"/>
+        <p14:creationId xmlns:p14="http://schemas.microsoft.com/office/powerpoint/2010/main" val="440403424"/>
       </p:ext>
     </p:extLst>
   </p:cSld>
@@ -1328,7 +1256,11 @@
         <p:spPr/>
         <p:txBody>
           <a:bodyPr/>
-          <a:lstStyle/>
+          <a:lstStyle>
+            <a:lvl1pPr marL="0">
+              <a:defRPr/>
+            </a:lvl1pPr>
+          </a:lstStyle>
           <a:p>
             <a:r>
               <a:rPr lang="zh-TW" altLang="en-US"/>
@@ -1407,7 +1339,7 @@
           <a:p>
             <a:fld id="{EE5AC2F0-1CB8-4141-B449-5CCF279E5ED2}" type="datetimeFigureOut">
               <a:rPr lang="zh-TW" altLang="en-US" smtClean="0"/>
-              <a:t>2019/6/12</a:t>
+              <a:t>2019/6/13</a:t>
             </a:fld>
             <a:endParaRPr lang="zh-TW" altLang="en-US"/>
           </a:p>
@@ -1458,7 +1390,7 @@
     </p:spTree>
     <p:extLst>
       <p:ext uri="{BB962C8B-B14F-4D97-AF65-F5344CB8AC3E}">
-        <p14:creationId xmlns:p14="http://schemas.microsoft.com/office/powerpoint/2010/main" val="2495599660"/>
+        <p14:creationId xmlns:p14="http://schemas.microsoft.com/office/powerpoint/2010/main" val="4186533498"/>
       </p:ext>
     </p:extLst>
   </p:cSld>
@@ -1471,6 +1403,14 @@
 <file path=ppt/slideLayouts/slideLayout3.xml><?xml version="1.0" encoding="utf-8"?>
 <p:sldLayout xmlns:a="http://schemas.openxmlformats.org/drawingml/2006/main" xmlns:r="http://schemas.openxmlformats.org/officeDocument/2006/relationships" xmlns:p="http://schemas.openxmlformats.org/presentationml/2006/main" showMasterSp="0" type="secHead" preserve="1">
   <p:cSld name="章節標題">
+    <p:bg>
+      <p:bgPr>
+        <a:solidFill>
+          <a:schemeClr val="bg1"/>
+        </a:solidFill>
+        <a:effectLst/>
+      </p:bgPr>
+    </p:bg>
     <p:spTree>
       <p:nvGrpSpPr>
         <p:cNvPr id="1" name=""/>
@@ -1493,34 +1433,15 @@
         </p:nvSpPr>
         <p:spPr>
           <a:xfrm>
-            <a:off x="0" y="4917989"/>
-            <a:ext cx="12192000" cy="1940010"/>
+            <a:off x="3175" y="6400800"/>
+            <a:ext cx="12188825" cy="457200"/>
           </a:xfrm>
           <a:prstGeom prst="rect">
             <a:avLst/>
           </a:prstGeom>
-          <a:blipFill dpi="0" rotWithShape="1">
-            <a:blip r:embed="rId2">
-              <a:alphaModFix amt="80000"/>
-              <a:lum bright="70000" contrast="-70000"/>
-              <a:extLst>
-                <a:ext uri="{BEBA8EAE-BF5A-486C-A8C5-ECC9F3942E4B}">
-                  <a14:imgProps xmlns:a14="http://schemas.microsoft.com/office/drawing/2010/main">
-                    <a14:imgLayer r:embed="rId3">
-                      <a14:imgEffect>
-                        <a14:sharpenSoften amount="61000"/>
-                      </a14:imgEffect>
-                    </a14:imgLayer>
-                  </a14:imgProps>
-                </a:ext>
-                <a:ext uri="{28A0092B-C50C-407E-A947-70E740481C1C}">
-                  <a14:useLocalDpi xmlns:a14="http://schemas.microsoft.com/office/drawing/2010/main" val="0"/>
-                </a:ext>
-              </a:extLst>
-            </a:blip>
-            <a:srcRect/>
-            <a:tile tx="0" ty="-704850" sx="92000" sy="89000" flip="xy" algn="ctr"/>
-          </a:blipFill>
+          <a:solidFill>
+            <a:schemeClr val="accent2"/>
+          </a:solidFill>
           <a:ln>
             <a:noFill/>
           </a:ln>
@@ -1544,22 +1465,60 @@
       </p:sp>
       <p:sp>
         <p:nvSpPr>
-          <p:cNvPr id="2" name="Title 1"/>
-          <p:cNvSpPr>
-            <a:spLocks noGrp="1"/>
-          </p:cNvSpPr>
-          <p:nvPr>
-            <p:ph type="title"/>
-          </p:nvPr>
+          <p:cNvPr id="8" name="Rectangle 7"/>
+          <p:cNvSpPr/>
+          <p:nvPr/>
         </p:nvSpPr>
         <p:spPr>
           <a:xfrm>
-            <a:off x="2167128" y="1225296"/>
-            <a:ext cx="9281160" cy="3520440"/>
+            <a:off x="15" y="6334316"/>
+            <a:ext cx="12188825" cy="64008"/>
+          </a:xfrm>
+          <a:prstGeom prst="rect">
+            <a:avLst/>
+          </a:prstGeom>
+          <a:solidFill>
+            <a:schemeClr val="accent1"/>
+          </a:solidFill>
+          <a:ln>
+            <a:noFill/>
+          </a:ln>
+        </p:spPr>
+        <p:style>
+          <a:lnRef idx="2">
+            <a:schemeClr val="accent1">
+              <a:shade val="50000"/>
+            </a:schemeClr>
+          </a:lnRef>
+          <a:fillRef idx="1">
+            <a:schemeClr val="accent1"/>
+          </a:fillRef>
+          <a:effectRef idx="0">
+            <a:schemeClr val="accent1"/>
+          </a:effectRef>
+          <a:fontRef idx="minor">
+            <a:schemeClr val="lt1"/>
+          </a:fontRef>
+        </p:style>
+      </p:sp>
+      <p:sp>
+        <p:nvSpPr>
+          <p:cNvPr id="2" name="Title 1"/>
+          <p:cNvSpPr>
+            <a:spLocks noGrp="1"/>
+          </p:cNvSpPr>
+          <p:nvPr>
+            <p:ph type="title"/>
+          </p:nvPr>
+        </p:nvSpPr>
+        <p:spPr>
+          <a:xfrm>
+            <a:off x="1097280" y="758952"/>
+            <a:ext cx="10058400" cy="3566160"/>
           </a:xfrm>
         </p:spPr>
         <p:txBody>
-          <a:bodyPr anchor="ctr">
+          <a:bodyPr anchor="b" anchorCtr="0">
             <a:normAutofit/>
           </a:bodyPr>
           <a:lstStyle>
@@ -1567,7 +1526,14 @@
               <a:lnSpc>
                 <a:spcPct val="85000"/>
               </a:lnSpc>
-              <a:defRPr sz="7200" b="1"/>
+              <a:defRPr sz="8000" b="0">
+                <a:solidFill>
+                  <a:schemeClr val="tx1">
+                    <a:lumMod val="85000"/>
+                    <a:lumOff val="15000"/>
+                  </a:schemeClr>
+                </a:solidFill>
+              </a:defRPr>
             </a:lvl1pPr>
           </a:lstStyle>
           <a:p>
@@ -1591,23 +1557,22 @@
         </p:nvSpPr>
         <p:spPr>
           <a:xfrm>
-            <a:off x="2165774" y="5020056"/>
-            <a:ext cx="9052560" cy="1066800"/>
+            <a:off x="1097280" y="4453128"/>
+            <a:ext cx="10058400" cy="1143000"/>
           </a:xfrm>
         </p:spPr>
         <p:txBody>
-          <a:bodyPr anchor="t">
+          <a:bodyPr lIns="91440" rIns="91440" anchor="t" anchorCtr="0">
             <a:normAutofit/>
           </a:bodyPr>
           <a:lstStyle>
             <a:lvl1pPr marL="0" indent="0">
               <a:buNone/>
-              <a:defRPr sz="2000" b="1">
+              <a:defRPr sz="2400" cap="all" spc="200" baseline="0">
                 <a:solidFill>
-                  <a:schemeClr val="accent2">
-                    <a:lumMod val="50000"/>
-                  </a:schemeClr>
+                  <a:schemeClr val="tx2"/>
                 </a:solidFill>
+                <a:latin typeface="+mj-lt"/>
               </a:defRPr>
             </a:lvl1pPr>
             <a:lvl2pPr marL="457200" indent="0">
@@ -1710,29 +1675,14 @@
             <p:ph type="dt" sz="half" idx="10"/>
           </p:nvPr>
         </p:nvSpPr>
-        <p:spPr>
-          <a:xfrm>
-            <a:off x="8593667" y="6272784"/>
-            <a:ext cx="2644309" cy="365125"/>
-          </a:xfrm>
-        </p:spPr>
+        <p:spPr/>
         <p:txBody>
           <a:bodyPr/>
-          <a:lstStyle>
-            <a:lvl1pPr>
-              <a:defRPr>
-                <a:solidFill>
-                  <a:schemeClr val="accent2">
-                    <a:lumMod val="50000"/>
-                  </a:schemeClr>
-                </a:solidFill>
-              </a:defRPr>
-            </a:lvl1pPr>
-          </a:lstStyle>
+          <a:lstStyle/>
           <a:p>
             <a:fld id="{EE5AC2F0-1CB8-4141-B449-5CCF279E5ED2}" type="datetimeFigureOut">
               <a:rPr lang="zh-TW" altLang="en-US" smtClean="0"/>
-              <a:t>2019/6/12</a:t>
+              <a:t>2019/6/13</a:t>
             </a:fld>
             <a:endParaRPr lang="zh-TW" altLang="en-US"/>
           </a:p>
@@ -1748,114 +1698,15 @@
             <p:ph type="ftr" sz="quarter" idx="11"/>
           </p:nvPr>
         </p:nvSpPr>
-        <p:spPr>
-          <a:xfrm>
-            <a:off x="2182708" y="6272784"/>
-            <a:ext cx="6327648" cy="365125"/>
-          </a:xfrm>
-        </p:spPr>
+        <p:spPr/>
         <p:txBody>
           <a:bodyPr/>
-          <a:lstStyle>
-            <a:lvl1pPr>
-              <a:defRPr>
-                <a:solidFill>
-                  <a:schemeClr val="accent2">
-                    <a:lumMod val="50000"/>
-                  </a:schemeClr>
-                </a:solidFill>
-              </a:defRPr>
-            </a:lvl1pPr>
-          </a:lstStyle>
+          <a:lstStyle/>
           <a:p>
             <a:endParaRPr lang="zh-TW" altLang="en-US"/>
           </a:p>
         </p:txBody>
       </p:sp>
-      <p:grpSp>
-        <p:nvGrpSpPr>
-          <p:cNvPr id="8" name="Group 7"/>
-          <p:cNvGrpSpPr/>
-          <p:nvPr/>
-        </p:nvGrpSpPr>
-        <p:grpSpPr>
-          <a:xfrm>
-            <a:off x="897399" y="2325848"/>
-            <a:ext cx="1080904" cy="1080902"/>
-            <a:chOff x="9685338" y="4460675"/>
-            <a:chExt cx="1080904" cy="1080902"/>
-          </a:xfrm>
-        </p:grpSpPr>
-        <p:sp>
-          <p:nvSpPr>
-            <p:cNvPr id="9" name="Oval 8"/>
-            <p:cNvSpPr/>
-            <p:nvPr/>
-          </p:nvSpPr>
-          <p:spPr>
-            <a:xfrm>
-              <a:off x="9685338" y="4460675"/>
-              <a:ext cx="1080904" cy="1080902"/>
-            </a:xfrm>
-            <a:prstGeom prst="ellipse">
-              <a:avLst/>
-            </a:prstGeom>
-            <a:blipFill dpi="0" rotWithShape="1">
-              <a:blip r:embed="rId4">
-                <a:duotone>
-                  <a:schemeClr val="accent2">
-                    <a:shade val="45000"/>
-                    <a:satMod val="135000"/>
-                  </a:schemeClr>
-                  <a:prstClr val="white"/>
-                </a:duotone>
-                <a:extLst>
-                  <a:ext uri="{BEBA8EAE-BF5A-486C-A8C5-ECC9F3942E4B}">
-                    <a14:imgProps xmlns:a14="http://schemas.microsoft.com/office/drawing/2010/main">
-                      <a14:imgLayer r:embed="rId5">
-                        <a14:imgEffect>
-                          <a14:saturation sat="95000"/>
-                        </a14:imgEffect>
-                      </a14:imgLayer>
-                    </a14:imgProps>
-                  </a:ext>
-                </a:extLst>
-              </a:blip>
-              <a:srcRect/>
-              <a:tile tx="0" ty="0" sx="85000" sy="85000" flip="none" algn="tl"/>
-            </a:blipFill>
-            <a:ln w="25400" cap="flat" cmpd="sng" algn="ctr">
-              <a:noFill/>
-              <a:prstDash val="solid"/>
-            </a:ln>
-            <a:effectLst/>
-          </p:spPr>
-        </p:sp>
-        <p:sp>
-          <p:nvSpPr>
-            <p:cNvPr id="10" name="Oval 9"/>
-            <p:cNvSpPr/>
-            <p:nvPr/>
-          </p:nvSpPr>
-          <p:spPr>
-            <a:xfrm>
-              <a:off x="9793429" y="4568765"/>
-              <a:ext cx="864723" cy="864722"/>
-            </a:xfrm>
-            <a:prstGeom prst="ellipse">
-              <a:avLst/>
-            </a:prstGeom>
-            <a:noFill/>
-            <a:ln w="25400" cap="flat" cmpd="sng" algn="ctr">
-              <a:solidFill>
-                <a:sysClr val="window" lastClr="FFFFFF"/>
-              </a:solidFill>
-              <a:prstDash val="solid"/>
-            </a:ln>
-            <a:effectLst/>
-          </p:spPr>
-        </p:sp>
-      </p:grpSp>
       <p:sp>
         <p:nvSpPr>
           <p:cNvPr id="6" name="Slide Number Placeholder 5"/>
@@ -1866,19 +1717,10 @@
             <p:ph type="sldNum" sz="quarter" idx="12"/>
           </p:nvPr>
         </p:nvSpPr>
-        <p:spPr>
-          <a:xfrm>
-            <a:off x="843702" y="2506133"/>
-            <a:ext cx="1188298" cy="720332"/>
-          </a:xfrm>
-        </p:spPr>
+        <p:spPr/>
         <p:txBody>
           <a:bodyPr/>
-          <a:lstStyle>
-            <a:lvl1pPr>
-              <a:defRPr sz="2800"/>
-            </a:lvl1pPr>
-          </a:lstStyle>
+          <a:lstStyle/>
           <a:p>
             <a:fld id="{981E79C0-36C6-4847-9EB3-5985AA6A77D5}" type="slidenum">
               <a:rPr lang="zh-TW" altLang="en-US" smtClean="0"/>
@@ -1888,10 +1730,48 @@
           </a:p>
         </p:txBody>
       </p:sp>
+      <p:cxnSp>
+        <p:nvCxnSpPr>
+          <p:cNvPr id="9" name="Straight Connector 8"/>
+          <p:cNvCxnSpPr/>
+          <p:nvPr/>
+        </p:nvCxnSpPr>
+        <p:spPr>
+          <a:xfrm>
+            <a:off x="1207658" y="4343400"/>
+            <a:ext cx="9875520" cy="0"/>
+          </a:xfrm>
+          <a:prstGeom prst="line">
+            <a:avLst/>
+          </a:prstGeom>
+          <a:ln w="6350">
+            <a:solidFill>
+              <a:schemeClr val="tx1">
+                <a:lumMod val="50000"/>
+                <a:lumOff val="50000"/>
+              </a:schemeClr>
+            </a:solidFill>
+          </a:ln>
+        </p:spPr>
+        <p:style>
+          <a:lnRef idx="1">
+            <a:schemeClr val="accent1"/>
+          </a:lnRef>
+          <a:fillRef idx="0">
+            <a:schemeClr val="accent1"/>
+          </a:fillRef>
+          <a:effectRef idx="0">
+            <a:schemeClr val="accent1"/>
+          </a:effectRef>
+          <a:fontRef idx="minor">
+            <a:schemeClr val="tx1"/>
+          </a:fontRef>
+        </p:style>
+      </p:cxnSp>
     </p:spTree>
     <p:extLst>
       <p:ext uri="{BB962C8B-B14F-4D97-AF65-F5344CB8AC3E}">
-        <p14:creationId xmlns:p14="http://schemas.microsoft.com/office/powerpoint/2010/main" val="1785021762"/>
+        <p14:creationId xmlns:p14="http://schemas.microsoft.com/office/powerpoint/2010/main" val="3022238466"/>
       </p:ext>
     </p:extLst>
   </p:cSld>
@@ -1920,7 +1800,7 @@
       </p:grpSpPr>
       <p:sp>
         <p:nvSpPr>
-          <p:cNvPr id="2" name="Title 1"/>
+          <p:cNvPr id="8" name="Title 7"/>
           <p:cNvSpPr>
             <a:spLocks noGrp="1"/>
           </p:cNvSpPr>
@@ -1928,7 +1808,12 @@
             <p:ph type="title"/>
           </p:nvPr>
         </p:nvSpPr>
-        <p:spPr/>
+        <p:spPr>
+          <a:xfrm>
+            <a:off x="1097280" y="286603"/>
+            <a:ext cx="10058400" cy="1450757"/>
+          </a:xfrm>
+        </p:spPr>
         <p:txBody>
           <a:bodyPr/>
           <a:lstStyle/>
@@ -1953,41 +1838,13 @@
         </p:nvSpPr>
         <p:spPr>
           <a:xfrm>
-            <a:off x="1069848" y="2194560"/>
-            <a:ext cx="4754880" cy="3977640"/>
+            <a:off x="1097279" y="1845734"/>
+            <a:ext cx="4937760" cy="4023360"/>
           </a:xfrm>
         </p:spPr>
         <p:txBody>
           <a:bodyPr/>
-          <a:lstStyle>
-            <a:lvl1pPr>
-              <a:defRPr sz="2000"/>
-            </a:lvl1pPr>
-            <a:lvl2pPr>
-              <a:defRPr sz="1800"/>
-            </a:lvl2pPr>
-            <a:lvl3pPr>
-              <a:defRPr sz="1600"/>
-            </a:lvl3pPr>
-            <a:lvl4pPr>
-              <a:defRPr sz="1600"/>
-            </a:lvl4pPr>
-            <a:lvl5pPr>
-              <a:defRPr sz="1600"/>
-            </a:lvl5pPr>
-            <a:lvl6pPr>
-              <a:defRPr sz="1600"/>
-            </a:lvl6pPr>
-            <a:lvl7pPr>
-              <a:defRPr sz="1600"/>
-            </a:lvl7pPr>
-            <a:lvl8pPr>
-              <a:defRPr sz="1600"/>
-            </a:lvl8pPr>
-            <a:lvl9pPr>
-              <a:defRPr sz="1600"/>
-            </a:lvl9pPr>
-          </a:lstStyle>
+          <a:lstStyle/>
           <a:p>
             <a:pPr lvl="0"/>
             <a:r>
@@ -2038,41 +1895,13 @@
         </p:nvSpPr>
         <p:spPr>
           <a:xfrm>
-            <a:off x="6364224" y="2194560"/>
-            <a:ext cx="4754880" cy="3977640"/>
+            <a:off x="6217920" y="1845735"/>
+            <a:ext cx="4937760" cy="4023360"/>
           </a:xfrm>
         </p:spPr>
         <p:txBody>
           <a:bodyPr/>
-          <a:lstStyle>
-            <a:lvl1pPr>
-              <a:defRPr sz="2000"/>
-            </a:lvl1pPr>
-            <a:lvl2pPr>
-              <a:defRPr sz="1800"/>
-            </a:lvl2pPr>
-            <a:lvl3pPr>
-              <a:defRPr sz="1600"/>
-            </a:lvl3pPr>
-            <a:lvl4pPr>
-              <a:defRPr sz="1600"/>
-            </a:lvl4pPr>
-            <a:lvl5pPr>
-              <a:defRPr sz="1600"/>
-            </a:lvl5pPr>
-            <a:lvl6pPr>
-              <a:defRPr sz="1600"/>
-            </a:lvl6pPr>
-            <a:lvl7pPr>
-              <a:defRPr sz="1600"/>
-            </a:lvl7pPr>
-            <a:lvl8pPr>
-              <a:defRPr sz="1600"/>
-            </a:lvl8pPr>
-            <a:lvl9pPr>
-              <a:defRPr sz="1600"/>
-            </a:lvl9pPr>
-          </a:lstStyle>
+          <a:lstStyle/>
           <a:p>
             <a:pPr lvl="0"/>
             <a:r>
@@ -2128,7 +1957,7 @@
           <a:p>
             <a:fld id="{EE5AC2F0-1CB8-4141-B449-5CCF279E5ED2}" type="datetimeFigureOut">
               <a:rPr lang="zh-TW" altLang="en-US" smtClean="0"/>
-              <a:t>2019/6/12</a:t>
+              <a:t>2019/6/13</a:t>
             </a:fld>
             <a:endParaRPr lang="zh-TW" altLang="en-US"/>
           </a:p>
@@ -2179,7 +2008,7 @@
     </p:spTree>
     <p:extLst>
       <p:ext uri="{BB962C8B-B14F-4D97-AF65-F5344CB8AC3E}">
-        <p14:creationId xmlns:p14="http://schemas.microsoft.com/office/powerpoint/2010/main" val="2678322738"/>
+        <p14:creationId xmlns:p14="http://schemas.microsoft.com/office/powerpoint/2010/main" val="3344947531"/>
       </p:ext>
     </p:extLst>
   </p:cSld>
@@ -2216,7 +2045,12 @@
             <p:ph type="title"/>
           </p:nvPr>
         </p:nvSpPr>
-        <p:spPr/>
+        <p:spPr>
+          <a:xfrm>
+            <a:off x="1097280" y="286603"/>
+            <a:ext cx="10058400" cy="1450757"/>
+          </a:xfrm>
+        </p:spPr>
         <p:txBody>
           <a:bodyPr/>
           <a:lstStyle/>
@@ -2241,22 +2075,20 @@
         </p:nvSpPr>
         <p:spPr>
           <a:xfrm>
-            <a:off x="1066800" y="2048256"/>
-            <a:ext cx="4754880" cy="640080"/>
+            <a:off x="1097280" y="1846052"/>
+            <a:ext cx="4937760" cy="736282"/>
           </a:xfrm>
         </p:spPr>
         <p:txBody>
-          <a:bodyPr anchor="ctr">
+          <a:bodyPr lIns="91440" rIns="91440" anchor="ctr">
             <a:normAutofit/>
           </a:bodyPr>
           <a:lstStyle>
             <a:lvl1pPr marL="0" indent="0">
               <a:buNone/>
-              <a:defRPr sz="2000" b="1">
+              <a:defRPr sz="2000" b="0" cap="all" baseline="0">
                 <a:solidFill>
-                  <a:schemeClr val="accent2">
-                    <a:lumMod val="75000"/>
-                  </a:schemeClr>
+                  <a:schemeClr val="tx2"/>
                 </a:solidFill>
               </a:defRPr>
             </a:lvl1pPr>
@@ -2314,41 +2146,13 @@
         </p:nvSpPr>
         <p:spPr>
           <a:xfrm>
-            <a:off x="1069848" y="2743200"/>
-            <a:ext cx="4754880" cy="3291840"/>
+            <a:off x="1097280" y="2582334"/>
+            <a:ext cx="4937760" cy="3378200"/>
           </a:xfrm>
         </p:spPr>
         <p:txBody>
           <a:bodyPr/>
-          <a:lstStyle>
-            <a:lvl1pPr>
-              <a:defRPr sz="2000"/>
-            </a:lvl1pPr>
-            <a:lvl2pPr>
-              <a:defRPr sz="1800"/>
-            </a:lvl2pPr>
-            <a:lvl3pPr>
-              <a:defRPr sz="1600"/>
-            </a:lvl3pPr>
-            <a:lvl4pPr>
-              <a:defRPr sz="1600"/>
-            </a:lvl4pPr>
-            <a:lvl5pPr>
-              <a:defRPr sz="1600"/>
-            </a:lvl5pPr>
-            <a:lvl6pPr>
-              <a:defRPr sz="1600"/>
-            </a:lvl6pPr>
-            <a:lvl7pPr>
-              <a:defRPr sz="1600"/>
-            </a:lvl7pPr>
-            <a:lvl8pPr>
-              <a:defRPr sz="1600"/>
-            </a:lvl8pPr>
-            <a:lvl9pPr>
-              <a:defRPr sz="1600"/>
-            </a:lvl9pPr>
-          </a:lstStyle>
+          <a:lstStyle/>
           <a:p>
             <a:pPr lvl="0"/>
             <a:r>
@@ -2399,22 +2203,20 @@
         </p:nvSpPr>
         <p:spPr>
           <a:xfrm>
-            <a:off x="6364224" y="2048256"/>
-            <a:ext cx="4754880" cy="640080"/>
+            <a:off x="6217920" y="1846052"/>
+            <a:ext cx="4937760" cy="736282"/>
           </a:xfrm>
         </p:spPr>
         <p:txBody>
-          <a:bodyPr anchor="ctr">
+          <a:bodyPr lIns="91440" rIns="91440" anchor="ctr">
             <a:normAutofit/>
           </a:bodyPr>
           <a:lstStyle>
             <a:lvl1pPr marL="0" indent="0">
               <a:buNone/>
-              <a:defRPr sz="2000" b="1">
+              <a:defRPr sz="2000" b="0" cap="all" baseline="0">
                 <a:solidFill>
-                  <a:schemeClr val="accent2">
-                    <a:lumMod val="75000"/>
-                  </a:schemeClr>
+                  <a:schemeClr val="tx2"/>
                 </a:solidFill>
               </a:defRPr>
             </a:lvl1pPr>
@@ -2472,41 +2274,13 @@
         </p:nvSpPr>
         <p:spPr>
           <a:xfrm>
-            <a:off x="6364224" y="2743200"/>
-            <a:ext cx="4754880" cy="3291840"/>
+            <a:off x="6217920" y="2582334"/>
+            <a:ext cx="4937760" cy="3378200"/>
           </a:xfrm>
         </p:spPr>
         <p:txBody>
           <a:bodyPr/>
-          <a:lstStyle>
-            <a:lvl1pPr>
-              <a:defRPr sz="2000"/>
-            </a:lvl1pPr>
-            <a:lvl2pPr>
-              <a:defRPr sz="1800"/>
-            </a:lvl2pPr>
-            <a:lvl3pPr>
-              <a:defRPr sz="1600"/>
-            </a:lvl3pPr>
-            <a:lvl4pPr>
-              <a:defRPr sz="1600"/>
-            </a:lvl4pPr>
-            <a:lvl5pPr>
-              <a:defRPr sz="1600"/>
-            </a:lvl5pPr>
-            <a:lvl6pPr>
-              <a:defRPr sz="1600"/>
-            </a:lvl6pPr>
-            <a:lvl7pPr>
-              <a:defRPr sz="1600"/>
-            </a:lvl7pPr>
-            <a:lvl8pPr>
-              <a:defRPr sz="1600"/>
-            </a:lvl8pPr>
-            <a:lvl9pPr>
-              <a:defRPr sz="1600"/>
-            </a:lvl9pPr>
-          </a:lstStyle>
+          <a:lstStyle/>
           <a:p>
             <a:pPr lvl="0"/>
             <a:r>
@@ -2562,7 +2336,7 @@
           <a:p>
             <a:fld id="{EE5AC2F0-1CB8-4141-B449-5CCF279E5ED2}" type="datetimeFigureOut">
               <a:rPr lang="zh-TW" altLang="en-US" smtClean="0"/>
-              <a:t>2019/6/12</a:t>
+              <a:t>2019/6/13</a:t>
             </a:fld>
             <a:endParaRPr lang="zh-TW" altLang="en-US"/>
           </a:p>
@@ -2613,7 +2387,7 @@
     </p:spTree>
     <p:extLst>
       <p:ext uri="{BB962C8B-B14F-4D97-AF65-F5344CB8AC3E}">
-        <p14:creationId xmlns:p14="http://schemas.microsoft.com/office/powerpoint/2010/main" val="3110400865"/>
+        <p14:creationId xmlns:p14="http://schemas.microsoft.com/office/powerpoint/2010/main" val="3033463069"/>
       </p:ext>
     </p:extLst>
   </p:cSld>
@@ -2642,7 +2416,7 @@
       </p:grpSpPr>
       <p:sp>
         <p:nvSpPr>
-          <p:cNvPr id="6" name="Title 5"/>
+          <p:cNvPr id="2" name="Title 1"/>
           <p:cNvSpPr>
             <a:spLocks noGrp="1"/>
           </p:cNvSpPr>
@@ -2680,7 +2454,7 @@
           <a:p>
             <a:fld id="{EE5AC2F0-1CB8-4141-B449-5CCF279E5ED2}" type="datetimeFigureOut">
               <a:rPr lang="zh-TW" altLang="en-US" smtClean="0"/>
-              <a:t>2019/6/12</a:t>
+              <a:t>2019/6/13</a:t>
             </a:fld>
             <a:endParaRPr lang="zh-TW" altLang="en-US"/>
           </a:p>
@@ -2731,7 +2505,7 @@
     </p:spTree>
     <p:extLst>
       <p:ext uri="{BB962C8B-B14F-4D97-AF65-F5344CB8AC3E}">
-        <p14:creationId xmlns:p14="http://schemas.microsoft.com/office/powerpoint/2010/main" val="1638535798"/>
+        <p14:creationId xmlns:p14="http://schemas.microsoft.com/office/powerpoint/2010/main" val="2090888144"/>
       </p:ext>
     </p:extLst>
   </p:cSld>
@@ -2742,7 +2516,7 @@
 </file>
 
 <file path=ppt/slideLayouts/slideLayout7.xml><?xml version="1.0" encoding="utf-8"?>
-<p:sldLayout xmlns:a="http://schemas.openxmlformats.org/drawingml/2006/main" xmlns:r="http://schemas.openxmlformats.org/officeDocument/2006/relationships" xmlns:p="http://schemas.openxmlformats.org/presentationml/2006/main" type="blank" preserve="1">
+<p:sldLayout xmlns:a="http://schemas.openxmlformats.org/drawingml/2006/main" xmlns:r="http://schemas.openxmlformats.org/officeDocument/2006/relationships" xmlns:p="http://schemas.openxmlformats.org/presentationml/2006/main" showMasterSp="0" type="blank" preserve="1">
   <p:cSld name="空白">
     <p:spTree>
       <p:nvGrpSpPr>
@@ -2760,7 +2534,83 @@
       </p:grpSpPr>
       <p:sp>
         <p:nvSpPr>
-          <p:cNvPr id="2" name="Date Placeholder 1"/>
+          <p:cNvPr id="5" name="Rectangle 4"/>
+          <p:cNvSpPr/>
+          <p:nvPr/>
+        </p:nvSpPr>
+        <p:spPr>
+          <a:xfrm>
+            <a:off x="3175" y="6400800"/>
+            <a:ext cx="12188825" cy="457200"/>
+          </a:xfrm>
+          <a:prstGeom prst="rect">
+            <a:avLst/>
+          </a:prstGeom>
+          <a:solidFill>
+            <a:schemeClr val="accent2"/>
+          </a:solidFill>
+          <a:ln>
+            <a:noFill/>
+          </a:ln>
+        </p:spPr>
+        <p:style>
+          <a:lnRef idx="2">
+            <a:schemeClr val="accent1">
+              <a:shade val="50000"/>
+            </a:schemeClr>
+          </a:lnRef>
+          <a:fillRef idx="1">
+            <a:schemeClr val="accent1"/>
+          </a:fillRef>
+          <a:effectRef idx="0">
+            <a:schemeClr val="accent1"/>
+          </a:effectRef>
+          <a:fontRef idx="minor">
+            <a:schemeClr val="lt1"/>
+          </a:fontRef>
+        </p:style>
+      </p:sp>
+      <p:sp>
+        <p:nvSpPr>
+          <p:cNvPr id="6" name="Rectangle 5"/>
+          <p:cNvSpPr/>
+          <p:nvPr/>
+        </p:nvSpPr>
+        <p:spPr>
+          <a:xfrm>
+            <a:off x="15" y="6334316"/>
+            <a:ext cx="12188825" cy="64008"/>
+          </a:xfrm>
+          <a:prstGeom prst="rect">
+            <a:avLst/>
+          </a:prstGeom>
+          <a:solidFill>
+            <a:schemeClr val="accent1"/>
+          </a:solidFill>
+          <a:ln>
+            <a:noFill/>
+          </a:ln>
+        </p:spPr>
+        <p:style>
+          <a:lnRef idx="2">
+            <a:schemeClr val="accent1">
+              <a:shade val="50000"/>
+            </a:schemeClr>
+          </a:lnRef>
+          <a:fillRef idx="1">
+            <a:schemeClr val="accent1"/>
+          </a:fillRef>
+          <a:effectRef idx="0">
+            <a:schemeClr val="accent1"/>
+          </a:effectRef>
+          <a:fontRef idx="minor">
+            <a:schemeClr val="lt1"/>
+          </a:fontRef>
+        </p:style>
+      </p:sp>
+      <p:sp>
+        <p:nvSpPr>
+          <p:cNvPr id="7" name="Date Placeholder 6"/>
           <p:cNvSpPr>
             <a:spLocks noGrp="1"/>
           </p:cNvSpPr>
@@ -2775,7 +2625,7 @@
           <a:p>
             <a:fld id="{EE5AC2F0-1CB8-4141-B449-5CCF279E5ED2}" type="datetimeFigureOut">
               <a:rPr lang="zh-TW" altLang="en-US" smtClean="0"/>
-              <a:t>2019/6/12</a:t>
+              <a:t>2019/6/13</a:t>
             </a:fld>
             <a:endParaRPr lang="zh-TW" altLang="en-US"/>
           </a:p>
@@ -2783,7 +2633,7 @@
       </p:sp>
       <p:sp>
         <p:nvSpPr>
-          <p:cNvPr id="3" name="Footer Placeholder 2"/>
+          <p:cNvPr id="8" name="Footer Placeholder 7"/>
           <p:cNvSpPr>
             <a:spLocks noGrp="1"/>
           </p:cNvSpPr>
@@ -2794,7 +2644,15 @@
         <p:spPr/>
         <p:txBody>
           <a:bodyPr/>
-          <a:lstStyle/>
+          <a:lstStyle>
+            <a:lvl1pPr>
+              <a:defRPr>
+                <a:solidFill>
+                  <a:srgbClr val="FFFFFF"/>
+                </a:solidFill>
+              </a:defRPr>
+            </a:lvl1pPr>
+          </a:lstStyle>
           <a:p>
             <a:endParaRPr lang="zh-TW" altLang="en-US"/>
           </a:p>
@@ -2802,7 +2660,7 @@
       </p:sp>
       <p:sp>
         <p:nvSpPr>
-          <p:cNvPr id="4" name="Slide Number Placeholder 3"/>
+          <p:cNvPr id="9" name="Slide Number Placeholder 8"/>
           <p:cNvSpPr>
             <a:spLocks noGrp="1"/>
           </p:cNvSpPr>
@@ -2826,7 +2684,7 @@
     </p:spTree>
     <p:extLst>
       <p:ext uri="{BB962C8B-B14F-4D97-AF65-F5344CB8AC3E}">
-        <p14:creationId xmlns:p14="http://schemas.microsoft.com/office/powerpoint/2010/main" val="1238104296"/>
+        <p14:creationId xmlns:p14="http://schemas.microsoft.com/office/powerpoint/2010/main" val="139206670"/>
       </p:ext>
     </p:extLst>
   </p:cSld>
@@ -2861,34 +2719,15 @@
         </p:nvSpPr>
         <p:spPr>
           <a:xfrm>
-            <a:off x="8303740" y="0"/>
-            <a:ext cx="3888259" cy="6857999"/>
+            <a:off x="16" y="0"/>
+            <a:ext cx="4050791" cy="6858000"/>
           </a:xfrm>
           <a:prstGeom prst="rect">
             <a:avLst/>
           </a:prstGeom>
-          <a:blipFill dpi="0" rotWithShape="1">
-            <a:blip r:embed="rId2">
-              <a:alphaModFix amt="60000"/>
-              <a:lum bright="70000" contrast="-70000"/>
-              <a:extLst>
-                <a:ext uri="{BEBA8EAE-BF5A-486C-A8C5-ECC9F3942E4B}">
-                  <a14:imgProps xmlns:a14="http://schemas.microsoft.com/office/drawing/2010/main">
-                    <a14:imgLayer r:embed="rId3">
-                      <a14:imgEffect>
-                        <a14:sharpenSoften amount="61000"/>
-                      </a14:imgEffect>
-                    </a14:imgLayer>
-                  </a14:imgProps>
-                </a:ext>
-                <a:ext uri="{28A0092B-C50C-407E-A947-70E740481C1C}">
-                  <a14:useLocalDpi xmlns:a14="http://schemas.microsoft.com/office/drawing/2010/main" val="0"/>
-                </a:ext>
-              </a:extLst>
-            </a:blip>
-            <a:srcRect/>
-            <a:tile tx="0" ty="-704850" sx="92000" sy="89000" flip="xy" algn="ctr"/>
-          </a:blipFill>
+          <a:solidFill>
+            <a:schemeClr val="accent2"/>
+          </a:solidFill>
           <a:ln>
             <a:noFill/>
           </a:ln>
@@ -2912,18 +2751,56 @@
       </p:sp>
       <p:sp>
         <p:nvSpPr>
-          <p:cNvPr id="2" name="Title 1"/>
-          <p:cNvSpPr>
-            <a:spLocks noGrp="1"/>
-          </p:cNvSpPr>
-          <p:nvPr>
-            <p:ph type="title"/>
-          </p:nvPr>
+          <p:cNvPr id="9" name="Rectangle 8"/>
+          <p:cNvSpPr/>
+          <p:nvPr/>
         </p:nvSpPr>
         <p:spPr>
           <a:xfrm>
-            <a:off x="8549640" y="685800"/>
-            <a:ext cx="3200400" cy="1737360"/>
+            <a:off x="4040071" y="0"/>
+            <a:ext cx="64008" cy="6858000"/>
+          </a:xfrm>
+          <a:prstGeom prst="rect">
+            <a:avLst/>
+          </a:prstGeom>
+          <a:solidFill>
+            <a:schemeClr val="accent1"/>
+          </a:solidFill>
+          <a:ln>
+            <a:noFill/>
+          </a:ln>
+        </p:spPr>
+        <p:style>
+          <a:lnRef idx="2">
+            <a:schemeClr val="accent1">
+              <a:shade val="50000"/>
+            </a:schemeClr>
+          </a:lnRef>
+          <a:fillRef idx="1">
+            <a:schemeClr val="accent1"/>
+          </a:fillRef>
+          <a:effectRef idx="0">
+            <a:schemeClr val="accent1"/>
+          </a:effectRef>
+          <a:fontRef idx="minor">
+            <a:schemeClr val="lt1"/>
+          </a:fontRef>
+        </p:style>
+      </p:sp>
+      <p:sp>
+        <p:nvSpPr>
+          <p:cNvPr id="2" name="Title 1"/>
+          <p:cNvSpPr>
+            <a:spLocks noGrp="1"/>
+          </p:cNvSpPr>
+          <p:nvPr>
+            <p:ph type="title"/>
+          </p:nvPr>
+        </p:nvSpPr>
+        <p:spPr>
+          <a:xfrm>
+            <a:off x="457200" y="594359"/>
+            <a:ext cx="3200400" cy="2286000"/>
           </a:xfrm>
         </p:spPr>
         <p:txBody>
@@ -2932,7 +2809,11 @@
           </a:bodyPr>
           <a:lstStyle>
             <a:lvl1pPr>
-              <a:defRPr sz="3200" b="1"/>
+              <a:defRPr sz="3600" b="0">
+                <a:solidFill>
+                  <a:srgbClr val="FFFFFF"/>
+                </a:solidFill>
+              </a:defRPr>
             </a:lvl1pPr>
           </a:lstStyle>
           <a:p>
@@ -2956,41 +2837,13 @@
         </p:nvSpPr>
         <p:spPr>
           <a:xfrm>
-            <a:off x="838200" y="685800"/>
-            <a:ext cx="6711696" cy="5020056"/>
+            <a:off x="4800600" y="731520"/>
+            <a:ext cx="6492240" cy="5257800"/>
           </a:xfrm>
         </p:spPr>
         <p:txBody>
           <a:bodyPr/>
-          <a:lstStyle>
-            <a:lvl1pPr>
-              <a:defRPr sz="2000"/>
-            </a:lvl1pPr>
-            <a:lvl2pPr>
-              <a:defRPr sz="1800"/>
-            </a:lvl2pPr>
-            <a:lvl3pPr>
-              <a:defRPr sz="1600"/>
-            </a:lvl3pPr>
-            <a:lvl4pPr>
-              <a:defRPr sz="1600"/>
-            </a:lvl4pPr>
-            <a:lvl5pPr>
-              <a:defRPr sz="1600"/>
-            </a:lvl5pPr>
-            <a:lvl6pPr>
-              <a:defRPr sz="1600"/>
-            </a:lvl6pPr>
-            <a:lvl7pPr>
-              <a:defRPr sz="1600"/>
-            </a:lvl7pPr>
-            <a:lvl8pPr>
-              <a:defRPr sz="1600"/>
-            </a:lvl8pPr>
-            <a:lvl9pPr>
-              <a:defRPr sz="1600"/>
-            </a:lvl9pPr>
-          </a:lstStyle>
+          <a:lstStyle/>
           <a:p>
             <a:pPr lvl="0"/>
             <a:r>
@@ -3041,28 +2894,20 @@
         </p:nvSpPr>
         <p:spPr>
           <a:xfrm>
-            <a:off x="8549640" y="2423160"/>
-            <a:ext cx="3200400" cy="3291840"/>
+            <a:off x="457200" y="2926080"/>
+            <a:ext cx="3200400" cy="3379124"/>
           </a:xfrm>
         </p:spPr>
         <p:txBody>
-          <a:bodyPr>
+          <a:bodyPr lIns="91440" rIns="91440">
             <a:normAutofit/>
           </a:bodyPr>
           <a:lstStyle>
             <a:lvl1pPr marL="0" indent="0">
-              <a:lnSpc>
-                <a:spcPct val="100000"/>
-              </a:lnSpc>
-              <a:spcBef>
-                <a:spcPts val="1000"/>
-              </a:spcBef>
               <a:buNone/>
-              <a:defRPr sz="1400">
+              <a:defRPr sz="1500">
                 <a:solidFill>
-                  <a:schemeClr val="accent2">
-                    <a:lumMod val="50000"/>
-                  </a:schemeClr>
+                  <a:srgbClr val="FFFFFF"/>
                 </a:solidFill>
               </a:defRPr>
             </a:lvl1pPr>
@@ -3118,14 +2963,23 @@
             <p:ph type="dt" sz="half" idx="10"/>
           </p:nvPr>
         </p:nvSpPr>
-        <p:spPr/>
+        <p:spPr>
+          <a:xfrm>
+            <a:off x="465512" y="6459785"/>
+            <a:ext cx="2618510" cy="365125"/>
+          </a:xfrm>
+        </p:spPr>
         <p:txBody>
           <a:bodyPr/>
-          <a:lstStyle/>
+          <a:lstStyle>
+            <a:lvl1pPr algn="l">
+              <a:defRPr/>
+            </a:lvl1pPr>
+          </a:lstStyle>
           <a:p>
             <a:fld id="{EE5AC2F0-1CB8-4141-B449-5CCF279E5ED2}" type="datetimeFigureOut">
               <a:rPr lang="zh-TW" altLang="en-US" smtClean="0"/>
-              <a:t>2019/6/12</a:t>
+              <a:t>2019/6/13</a:t>
             </a:fld>
             <a:endParaRPr lang="zh-TW" altLang="en-US"/>
           </a:p>
@@ -3141,118 +2995,50 @@
             <p:ph type="ftr" sz="quarter" idx="11"/>
           </p:nvPr>
         </p:nvSpPr>
+        <p:spPr>
+          <a:xfrm>
+            <a:off x="4800600" y="6459785"/>
+            <a:ext cx="4648200" cy="365125"/>
+          </a:xfrm>
+        </p:spPr>
+        <p:txBody>
+          <a:bodyPr/>
+          <a:lstStyle>
+            <a:lvl1pPr algn="l">
+              <a:defRPr>
+                <a:solidFill>
+                  <a:schemeClr val="tx2"/>
+                </a:solidFill>
+              </a:defRPr>
+            </a:lvl1pPr>
+          </a:lstStyle>
+          <a:p>
+            <a:endParaRPr lang="zh-TW" altLang="en-US"/>
+          </a:p>
+        </p:txBody>
+      </p:sp>
+      <p:sp>
+        <p:nvSpPr>
+          <p:cNvPr id="7" name="Slide Number Placeholder 6"/>
+          <p:cNvSpPr>
+            <a:spLocks noGrp="1"/>
+          </p:cNvSpPr>
+          <p:nvPr>
+            <p:ph type="sldNum" sz="quarter" idx="12"/>
+          </p:nvPr>
+        </p:nvSpPr>
         <p:spPr/>
         <p:txBody>
           <a:bodyPr/>
-          <a:lstStyle/>
-          <a:p>
-            <a:endParaRPr lang="zh-TW" altLang="en-US"/>
-          </a:p>
-        </p:txBody>
-      </p:sp>
-      <p:grpSp>
-        <p:nvGrpSpPr>
-          <p:cNvPr id="9" name="Group 8"/>
-          <p:cNvGrpSpPr>
-            <a:grpSpLocks noChangeAspect="1"/>
-          </p:cNvGrpSpPr>
-          <p:nvPr/>
-        </p:nvGrpSpPr>
-        <p:grpSpPr>
-          <a:xfrm>
-            <a:off x="11401725" y="6229681"/>
-            <a:ext cx="457200" cy="457200"/>
-            <a:chOff x="11361456" y="6195813"/>
-            <a:chExt cx="548640" cy="548640"/>
-          </a:xfrm>
-        </p:grpSpPr>
-        <p:sp>
-          <p:nvSpPr>
-            <p:cNvPr id="10" name="Oval 9"/>
-            <p:cNvSpPr/>
-            <p:nvPr/>
-          </p:nvSpPr>
-          <p:spPr>
-            <a:xfrm>
-              <a:off x="11361456" y="6195813"/>
-              <a:ext cx="548640" cy="548640"/>
-            </a:xfrm>
-            <a:prstGeom prst="ellipse">
-              <a:avLst/>
-            </a:prstGeom>
-            <a:blipFill dpi="0" rotWithShape="1">
-              <a:blip r:embed="rId4">
-                <a:duotone>
-                  <a:schemeClr val="accent2">
-                    <a:shade val="45000"/>
-                    <a:satMod val="135000"/>
-                  </a:schemeClr>
-                  <a:prstClr val="white"/>
-                </a:duotone>
-                <a:extLst>
-                  <a:ext uri="{BEBA8EAE-BF5A-486C-A8C5-ECC9F3942E4B}">
-                    <a14:imgProps xmlns:a14="http://schemas.microsoft.com/office/drawing/2010/main">
-                      <a14:imgLayer r:embed="rId5">
-                        <a14:imgEffect>
-                          <a14:saturation sat="95000"/>
-                        </a14:imgEffect>
-                        <a14:imgEffect>
-                          <a14:brightnessContrast bright="-40000" contrast="20000"/>
-                        </a14:imgEffect>
-                      </a14:imgLayer>
-                    </a14:imgProps>
-                  </a:ext>
-                </a:extLst>
-              </a:blip>
-              <a:srcRect/>
-              <a:tile tx="50800" ty="0" sx="85000" sy="85000" flip="none" algn="tl"/>
-            </a:blipFill>
-            <a:ln w="25400" cap="flat" cmpd="sng" algn="ctr">
-              <a:noFill/>
-              <a:prstDash val="solid"/>
-            </a:ln>
-            <a:effectLst/>
-          </p:spPr>
-        </p:sp>
-        <p:sp>
-          <p:nvSpPr>
-            <p:cNvPr id="11" name="Oval 10"/>
-            <p:cNvSpPr/>
-            <p:nvPr/>
-          </p:nvSpPr>
-          <p:spPr>
-            <a:xfrm>
-              <a:off x="11396488" y="6230844"/>
-              <a:ext cx="478576" cy="478578"/>
-            </a:xfrm>
-            <a:prstGeom prst="ellipse">
-              <a:avLst/>
-            </a:prstGeom>
-            <a:noFill/>
-            <a:ln w="12700" cap="flat" cmpd="sng" algn="ctr">
-              <a:solidFill>
-                <a:sysClr val="window" lastClr="FFFFFF"/>
-              </a:solidFill>
-              <a:prstDash val="solid"/>
-            </a:ln>
-            <a:effectLst/>
-          </p:spPr>
-        </p:sp>
-      </p:grpSp>
-      <p:sp>
-        <p:nvSpPr>
-          <p:cNvPr id="7" name="Slide Number Placeholder 6"/>
-          <p:cNvSpPr>
-            <a:spLocks noGrp="1"/>
-          </p:cNvSpPr>
-          <p:nvPr>
-            <p:ph type="sldNum" sz="quarter" idx="12"/>
-          </p:nvPr>
-        </p:nvSpPr>
-        <p:spPr/>
-        <p:txBody>
-          <a:bodyPr/>
-          <a:lstStyle/>
+          <a:lstStyle>
+            <a:lvl1pPr>
+              <a:defRPr>
+                <a:solidFill>
+                  <a:schemeClr val="tx2"/>
+                </a:solidFill>
+              </a:defRPr>
+            </a:lvl1pPr>
+          </a:lstStyle>
           <a:p>
             <a:fld id="{981E79C0-36C6-4847-9EB3-5985AA6A77D5}" type="slidenum">
               <a:rPr lang="zh-TW" altLang="en-US" smtClean="0"/>
@@ -3265,7 +3051,7 @@
     </p:spTree>
     <p:extLst>
       <p:ext uri="{BB962C8B-B14F-4D97-AF65-F5344CB8AC3E}">
-        <p14:creationId xmlns:p14="http://schemas.microsoft.com/office/powerpoint/2010/main" val="2383747458"/>
+        <p14:creationId xmlns:p14="http://schemas.microsoft.com/office/powerpoint/2010/main" val="3178368923"/>
       </p:ext>
     </p:extLst>
   </p:cSld>
@@ -3294,40 +3080,21 @@
       </p:grpSpPr>
       <p:sp>
         <p:nvSpPr>
-          <p:cNvPr id="11" name="Rectangle 10"/>
+          <p:cNvPr id="8" name="Rectangle 7"/>
           <p:cNvSpPr/>
           <p:nvPr/>
         </p:nvSpPr>
         <p:spPr>
           <a:xfrm>
-            <a:off x="8303740" y="0"/>
-            <a:ext cx="3888259" cy="6857999"/>
+            <a:off x="0" y="4953000"/>
+            <a:ext cx="12188825" cy="1905000"/>
           </a:xfrm>
           <a:prstGeom prst="rect">
             <a:avLst/>
           </a:prstGeom>
-          <a:blipFill dpi="0" rotWithShape="1">
-            <a:blip r:embed="rId2">
-              <a:alphaModFix amt="60000"/>
-              <a:lum bright="70000" contrast="-70000"/>
-              <a:extLst>
-                <a:ext uri="{BEBA8EAE-BF5A-486C-A8C5-ECC9F3942E4B}">
-                  <a14:imgProps xmlns:a14="http://schemas.microsoft.com/office/drawing/2010/main">
-                    <a14:imgLayer r:embed="rId3">
-                      <a14:imgEffect>
-                        <a14:sharpenSoften amount="61000"/>
-                      </a14:imgEffect>
-                    </a14:imgLayer>
-                  </a14:imgProps>
-                </a:ext>
-                <a:ext uri="{28A0092B-C50C-407E-A947-70E740481C1C}">
-                  <a14:useLocalDpi xmlns:a14="http://schemas.microsoft.com/office/drawing/2010/main" val="0"/>
-                </a:ext>
-              </a:extLst>
-            </a:blip>
-            <a:srcRect/>
-            <a:tile tx="0" ty="-704850" sx="92000" sy="89000" flip="xy" algn="ctr"/>
-          </a:blipFill>
+          <a:solidFill>
+            <a:schemeClr val="accent2"/>
+          </a:solidFill>
           <a:ln>
             <a:noFill/>
           </a:ln>
@@ -3351,27 +3118,69 @@
       </p:sp>
       <p:sp>
         <p:nvSpPr>
-          <p:cNvPr id="2" name="Title 1"/>
-          <p:cNvSpPr>
-            <a:spLocks noGrp="1"/>
-          </p:cNvSpPr>
-          <p:nvPr>
-            <p:ph type="title"/>
-          </p:nvPr>
+          <p:cNvPr id="9" name="Rectangle 8"/>
+          <p:cNvSpPr/>
+          <p:nvPr/>
         </p:nvSpPr>
         <p:spPr>
           <a:xfrm>
-            <a:off x="8549640" y="685800"/>
-            <a:ext cx="3200400" cy="1737360"/>
+            <a:off x="15" y="4915076"/>
+            <a:ext cx="12188825" cy="64008"/>
+          </a:xfrm>
+          <a:prstGeom prst="rect">
+            <a:avLst/>
+          </a:prstGeom>
+          <a:solidFill>
+            <a:schemeClr val="accent1"/>
+          </a:solidFill>
+          <a:ln>
+            <a:noFill/>
+          </a:ln>
+        </p:spPr>
+        <p:style>
+          <a:lnRef idx="2">
+            <a:schemeClr val="accent1">
+              <a:shade val="50000"/>
+            </a:schemeClr>
+          </a:lnRef>
+          <a:fillRef idx="1">
+            <a:schemeClr val="accent1"/>
+          </a:fillRef>
+          <a:effectRef idx="0">
+            <a:schemeClr val="accent1"/>
+          </a:effectRef>
+          <a:fontRef idx="minor">
+            <a:schemeClr val="lt1"/>
+          </a:fontRef>
+        </p:style>
+      </p:sp>
+      <p:sp>
+        <p:nvSpPr>
+          <p:cNvPr id="2" name="Title 1"/>
+          <p:cNvSpPr>
+            <a:spLocks noGrp="1"/>
+          </p:cNvSpPr>
+          <p:nvPr>
+            <p:ph type="title"/>
+          </p:nvPr>
+        </p:nvSpPr>
+        <p:spPr>
+          <a:xfrm>
+            <a:off x="1097280" y="5074920"/>
+            <a:ext cx="10113264" cy="822960"/>
           </a:xfrm>
         </p:spPr>
         <p:txBody>
-          <a:bodyPr anchor="b">
-            <a:normAutofit/>
+          <a:bodyPr lIns="91440" tIns="0" rIns="91440" bIns="0" anchor="b">
+            <a:noAutofit/>
           </a:bodyPr>
           <a:lstStyle>
             <a:lvl1pPr>
-              <a:defRPr sz="3200" b="1"/>
+              <a:defRPr sz="3600" b="0">
+                <a:solidFill>
+                  <a:srgbClr val="FFFFFF"/>
+                </a:solidFill>
+              </a:defRPr>
             </a:lvl1pPr>
           </a:lstStyle>
           <a:p>
@@ -3395,22 +3204,26 @@
         </p:nvSpPr>
         <p:spPr>
           <a:xfrm>
-            <a:off x="0" y="0"/>
-            <a:ext cx="8303740" cy="6858000"/>
+            <a:off x="15" y="0"/>
+            <a:ext cx="12191985" cy="4915076"/>
           </a:xfrm>
-          <a:solidFill>
-            <a:schemeClr val="tx2">
-              <a:lumMod val="20000"/>
-              <a:lumOff val="80000"/>
-            </a:schemeClr>
-          </a:solidFill>
+          <a:blipFill>
+            <a:blip r:embed="rId2"/>
+            <a:stretch>
+              <a:fillRect/>
+            </a:stretch>
+          </a:blipFill>
         </p:spPr>
         <p:txBody>
-          <a:bodyPr anchor="t"/>
+          <a:bodyPr lIns="457200" tIns="457200" anchor="t"/>
           <a:lstStyle>
             <a:lvl1pPr marL="0" indent="0">
               <a:buNone/>
-              <a:defRPr sz="3200"/>
+              <a:defRPr sz="3200">
+                <a:solidFill>
+                  <a:schemeClr val="bg1"/>
+                </a:solidFill>
+              </a:defRPr>
             </a:lvl1pPr>
             <a:lvl2pPr marL="457200" indent="0">
               <a:buNone/>
@@ -3466,28 +3279,26 @@
         </p:nvSpPr>
         <p:spPr>
           <a:xfrm>
-            <a:off x="8549640" y="2423160"/>
-            <a:ext cx="3200400" cy="3291840"/>
+            <a:off x="1097280" y="5907023"/>
+            <a:ext cx="10113264" cy="594360"/>
           </a:xfrm>
         </p:spPr>
         <p:txBody>
-          <a:bodyPr>
+          <a:bodyPr lIns="91440" tIns="0" rIns="91440" bIns="0">
             <a:normAutofit/>
           </a:bodyPr>
           <a:lstStyle>
             <a:lvl1pPr marL="0" indent="0">
-              <a:lnSpc>
-                <a:spcPct val="100000"/>
-              </a:lnSpc>
               <a:spcBef>
-                <a:spcPts val="1000"/>
+                <a:spcPts val="0"/>
               </a:spcBef>
+              <a:spcAft>
+                <a:spcPts val="600"/>
+              </a:spcAft>
               <a:buNone/>
-              <a:defRPr sz="1400">
+              <a:defRPr sz="1500">
                 <a:solidFill>
-                  <a:schemeClr val="accent2">
-                    <a:lumMod val="50000"/>
-                  </a:schemeClr>
+                  <a:srgbClr val="FFFFFF"/>
                 </a:solidFill>
               </a:defRPr>
             </a:lvl1pPr>
@@ -3546,115 +3357,35 @@
         <p:spPr/>
         <p:txBody>
           <a:bodyPr/>
-          <a:lstStyle>
-            <a:lvl1pPr>
-              <a:defRPr>
-                <a:solidFill>
-                  <a:schemeClr val="accent2">
-                    <a:lumMod val="75000"/>
-                  </a:schemeClr>
-                </a:solidFill>
-              </a:defRPr>
-            </a:lvl1pPr>
-          </a:lstStyle>
+          <a:lstStyle/>
           <a:p>
             <a:fld id="{EE5AC2F0-1CB8-4141-B449-5CCF279E5ED2}" type="datetimeFigureOut">
               <a:rPr lang="zh-TW" altLang="en-US" smtClean="0"/>
-              <a:t>2019/6/12</a:t>
+              <a:t>2019/6/13</a:t>
             </a:fld>
             <a:endParaRPr lang="zh-TW" altLang="en-US"/>
           </a:p>
         </p:txBody>
       </p:sp>
-      <p:grpSp>
-        <p:nvGrpSpPr>
-          <p:cNvPr id="8" name="Group 7"/>
-          <p:cNvGrpSpPr>
-            <a:grpSpLocks noChangeAspect="1"/>
-          </p:cNvGrpSpPr>
-          <p:nvPr/>
-        </p:nvGrpSpPr>
-        <p:grpSpPr>
-          <a:xfrm>
-            <a:off x="11401725" y="6229681"/>
-            <a:ext cx="457200" cy="457200"/>
-            <a:chOff x="11361456" y="6195813"/>
-            <a:chExt cx="548640" cy="548640"/>
-          </a:xfrm>
-        </p:grpSpPr>
-        <p:sp>
-          <p:nvSpPr>
-            <p:cNvPr id="9" name="Oval 8"/>
-            <p:cNvSpPr/>
-            <p:nvPr/>
-          </p:nvSpPr>
-          <p:spPr>
-            <a:xfrm>
-              <a:off x="11361456" y="6195813"/>
-              <a:ext cx="548640" cy="548640"/>
-            </a:xfrm>
-            <a:prstGeom prst="ellipse">
-              <a:avLst/>
-            </a:prstGeom>
-            <a:blipFill dpi="0" rotWithShape="1">
-              <a:blip r:embed="rId4">
-                <a:duotone>
-                  <a:schemeClr val="accent2">
-                    <a:shade val="45000"/>
-                    <a:satMod val="135000"/>
-                  </a:schemeClr>
-                  <a:prstClr val="white"/>
-                </a:duotone>
-                <a:extLst>
-                  <a:ext uri="{BEBA8EAE-BF5A-486C-A8C5-ECC9F3942E4B}">
-                    <a14:imgProps xmlns:a14="http://schemas.microsoft.com/office/drawing/2010/main">
-                      <a14:imgLayer r:embed="rId5">
-                        <a14:imgEffect>
-                          <a14:saturation sat="95000"/>
-                        </a14:imgEffect>
-                        <a14:imgEffect>
-                          <a14:brightnessContrast bright="-40000" contrast="20000"/>
-                        </a14:imgEffect>
-                      </a14:imgLayer>
-                    </a14:imgProps>
-                  </a:ext>
-                </a:extLst>
-              </a:blip>
-              <a:srcRect/>
-              <a:tile tx="50800" ty="0" sx="85000" sy="85000" flip="none" algn="tl"/>
-            </a:blipFill>
-            <a:ln w="25400" cap="flat" cmpd="sng" algn="ctr">
-              <a:noFill/>
-              <a:prstDash val="solid"/>
-            </a:ln>
-            <a:effectLst/>
-          </p:spPr>
-        </p:sp>
-        <p:sp>
-          <p:nvSpPr>
-            <p:cNvPr id="10" name="Oval 9"/>
-            <p:cNvSpPr/>
-            <p:nvPr/>
-          </p:nvSpPr>
-          <p:spPr>
-            <a:xfrm>
-              <a:off x="11396488" y="6230844"/>
-              <a:ext cx="478576" cy="478578"/>
-            </a:xfrm>
-            <a:prstGeom prst="ellipse">
-              <a:avLst/>
-            </a:prstGeom>
-            <a:noFill/>
-            <a:ln w="12700" cap="flat" cmpd="sng" algn="ctr">
-              <a:solidFill>
-                <a:sysClr val="window" lastClr="FFFFFF"/>
-              </a:solidFill>
-              <a:prstDash val="solid"/>
-            </a:ln>
-            <a:effectLst/>
-          </p:spPr>
-        </p:sp>
-      </p:grpSp>
+      <p:sp>
+        <p:nvSpPr>
+          <p:cNvPr id="6" name="Footer Placeholder 5"/>
+          <p:cNvSpPr>
+            <a:spLocks noGrp="1"/>
+          </p:cNvSpPr>
+          <p:nvPr>
+            <p:ph type="ftr" sz="quarter" idx="11"/>
+          </p:nvPr>
+        </p:nvSpPr>
+        <p:spPr/>
+        <p:txBody>
+          <a:bodyPr/>
+          <a:lstStyle/>
+          <a:p>
+            <a:endParaRPr lang="en-US" dirty="0"/>
+          </a:p>
+        </p:txBody>
+      </p:sp>
       <p:sp>
         <p:nvSpPr>
           <p:cNvPr id="7" name="Slide Number Placeholder 6"/>
@@ -3681,7 +3412,7 @@
     </p:spTree>
     <p:extLst>
       <p:ext uri="{BB962C8B-B14F-4D97-AF65-F5344CB8AC3E}">
-        <p14:creationId xmlns:p14="http://schemas.microsoft.com/office/powerpoint/2010/main" val="3693498029"/>
+        <p14:creationId xmlns:p14="http://schemas.microsoft.com/office/powerpoint/2010/main" val="1378482763"/>
       </p:ext>
     </p:extLst>
   </p:cSld>
@@ -3715,25 +3446,101 @@
       </p:grpSpPr>
       <p:sp>
         <p:nvSpPr>
-          <p:cNvPr id="2" name="Title Placeholder 1"/>
-          <p:cNvSpPr>
-            <a:spLocks noGrp="1"/>
-          </p:cNvSpPr>
-          <p:nvPr>
-            <p:ph type="title"/>
-          </p:nvPr>
+          <p:cNvPr id="7" name="Rectangle 6"/>
+          <p:cNvSpPr/>
+          <p:nvPr/>
         </p:nvSpPr>
         <p:spPr>
           <a:xfrm>
-            <a:off x="1069848" y="484632"/>
-            <a:ext cx="10058400" cy="1609344"/>
+            <a:off x="1" y="6400800"/>
+            <a:ext cx="12192000" cy="457200"/>
+          </a:xfrm>
+          <a:prstGeom prst="rect">
+            <a:avLst/>
+          </a:prstGeom>
+          <a:solidFill>
+            <a:schemeClr val="accent2"/>
+          </a:solidFill>
+          <a:ln>
+            <a:noFill/>
+          </a:ln>
+        </p:spPr>
+        <p:style>
+          <a:lnRef idx="2">
+            <a:schemeClr val="accent1">
+              <a:shade val="50000"/>
+            </a:schemeClr>
+          </a:lnRef>
+          <a:fillRef idx="1">
+            <a:schemeClr val="accent1"/>
+          </a:fillRef>
+          <a:effectRef idx="0">
+            <a:schemeClr val="accent1"/>
+          </a:effectRef>
+          <a:fontRef idx="minor">
+            <a:schemeClr val="lt1"/>
+          </a:fontRef>
+        </p:style>
+      </p:sp>
+      <p:sp>
+        <p:nvSpPr>
+          <p:cNvPr id="9" name="Rectangle 8"/>
+          <p:cNvSpPr/>
+          <p:nvPr/>
+        </p:nvSpPr>
+        <p:spPr>
+          <a:xfrm>
+            <a:off x="0" y="6334316"/>
+            <a:ext cx="12192001" cy="65998"/>
+          </a:xfrm>
+          <a:prstGeom prst="rect">
+            <a:avLst/>
+          </a:prstGeom>
+          <a:solidFill>
+            <a:schemeClr val="accent1"/>
+          </a:solidFill>
+          <a:ln>
+            <a:noFill/>
+          </a:ln>
+        </p:spPr>
+        <p:style>
+          <a:lnRef idx="2">
+            <a:schemeClr val="accent1">
+              <a:shade val="50000"/>
+            </a:schemeClr>
+          </a:lnRef>
+          <a:fillRef idx="1">
+            <a:schemeClr val="accent1"/>
+          </a:fillRef>
+          <a:effectRef idx="0">
+            <a:schemeClr val="accent1"/>
+          </a:effectRef>
+          <a:fontRef idx="minor">
+            <a:schemeClr val="lt1"/>
+          </a:fontRef>
+        </p:style>
+      </p:sp>
+      <p:sp>
+        <p:nvSpPr>
+          <p:cNvPr id="2" name="Title Placeholder 1"/>
+          <p:cNvSpPr>
+            <a:spLocks noGrp="1"/>
+          </p:cNvSpPr>
+          <p:nvPr>
+            <p:ph type="title"/>
+          </p:nvPr>
+        </p:nvSpPr>
+        <p:spPr>
+          <a:xfrm>
+            <a:off x="1097280" y="286603"/>
+            <a:ext cx="10058400" cy="1450757"/>
           </a:xfrm>
           <a:prstGeom prst="rect">
             <a:avLst/>
           </a:prstGeom>
         </p:spPr>
         <p:txBody>
-          <a:bodyPr vert="horz" lIns="91440" tIns="45720" rIns="91440" bIns="45720" rtlCol="0" anchor="ctr">
+          <a:bodyPr vert="horz" lIns="91440" tIns="45720" rIns="91440" bIns="45720" rtlCol="0" anchor="b">
             <a:normAutofit/>
           </a:bodyPr>
           <a:lstStyle/>
@@ -3758,15 +3565,15 @@
         </p:nvSpPr>
         <p:spPr>
           <a:xfrm>
-            <a:off x="1069848" y="2121408"/>
-            <a:ext cx="10058400" cy="4050792"/>
+            <a:off x="1097280" y="1845734"/>
+            <a:ext cx="10058400" cy="4023360"/>
           </a:xfrm>
           <a:prstGeom prst="rect">
             <a:avLst/>
           </a:prstGeom>
         </p:spPr>
         <p:txBody>
-          <a:bodyPr vert="horz" lIns="91440" tIns="45720" rIns="91440" bIns="45720" rtlCol="0">
+          <a:bodyPr vert="horz" lIns="0" tIns="45720" rIns="0" bIns="45720" rtlCol="0">
             <a:normAutofit/>
           </a:bodyPr>
           <a:lstStyle/>
@@ -3820,8 +3627,8 @@
         </p:nvSpPr>
         <p:spPr>
           <a:xfrm>
-            <a:off x="7964424" y="6272784"/>
-            <a:ext cx="3273552" cy="365125"/>
+            <a:off x="1097280" y="6459785"/>
+            <a:ext cx="2472271" cy="365125"/>
           </a:xfrm>
           <a:prstGeom prst="rect">
             <a:avLst/>
@@ -3830,12 +3637,10 @@
         <p:txBody>
           <a:bodyPr vert="horz" lIns="91440" tIns="45720" rIns="91440" bIns="45720" rtlCol="0" anchor="ctr"/>
           <a:lstStyle>
-            <a:lvl1pPr algn="r">
-              <a:defRPr sz="1100">
+            <a:lvl1pPr algn="l">
+              <a:defRPr sz="900">
                 <a:solidFill>
-                  <a:schemeClr val="accent2">
-                    <a:lumMod val="50000"/>
-                  </a:schemeClr>
+                  <a:srgbClr val="FFFFFF"/>
                 </a:solidFill>
               </a:defRPr>
             </a:lvl1pPr>
@@ -3843,7 +3648,7 @@
           <a:p>
             <a:fld id="{EE5AC2F0-1CB8-4141-B449-5CCF279E5ED2}" type="datetimeFigureOut">
               <a:rPr lang="zh-TW" altLang="en-US" smtClean="0"/>
-              <a:t>2019/6/12</a:t>
+              <a:t>2019/6/13</a:t>
             </a:fld>
             <a:endParaRPr lang="zh-TW" altLang="en-US"/>
           </a:p>
@@ -3861,8 +3666,8 @@
         </p:nvSpPr>
         <p:spPr>
           <a:xfrm>
-            <a:off x="1088136" y="6272784"/>
-            <a:ext cx="6327648" cy="365125"/>
+            <a:off x="3686185" y="6459785"/>
+            <a:ext cx="4822804" cy="365125"/>
           </a:xfrm>
           <a:prstGeom prst="rect">
             <a:avLst/>
@@ -3871,12 +3676,10 @@
         <p:txBody>
           <a:bodyPr vert="horz" lIns="91440" tIns="45720" rIns="91440" bIns="45720" rtlCol="0" anchor="ctr"/>
           <a:lstStyle>
-            <a:lvl1pPr algn="l">
-              <a:defRPr sz="1100">
+            <a:lvl1pPr algn="ctr">
+              <a:defRPr sz="900" cap="all" baseline="0">
                 <a:solidFill>
-                  <a:schemeClr val="accent2">
-                    <a:lumMod val="50000"/>
-                  </a:schemeClr>
+                  <a:srgbClr val="FFFFFF"/>
                 </a:solidFill>
               </a:defRPr>
             </a:lvl1pPr>
@@ -3886,95 +3689,6 @@
           </a:p>
         </p:txBody>
       </p:sp>
-      <p:grpSp>
-        <p:nvGrpSpPr>
-          <p:cNvPr id="7" name="Group 6"/>
-          <p:cNvGrpSpPr>
-            <a:grpSpLocks noChangeAspect="1"/>
-          </p:cNvGrpSpPr>
-          <p:nvPr/>
-        </p:nvGrpSpPr>
-        <p:grpSpPr>
-          <a:xfrm>
-            <a:off x="11401725" y="6229681"/>
-            <a:ext cx="457200" cy="457200"/>
-            <a:chOff x="11361456" y="6195813"/>
-            <a:chExt cx="548640" cy="548640"/>
-          </a:xfrm>
-        </p:grpSpPr>
-        <p:sp>
-          <p:nvSpPr>
-            <p:cNvPr id="8" name="Oval 7"/>
-            <p:cNvSpPr/>
-            <p:nvPr/>
-          </p:nvSpPr>
-          <p:spPr>
-            <a:xfrm>
-              <a:off x="11361456" y="6195813"/>
-              <a:ext cx="548640" cy="548640"/>
-            </a:xfrm>
-            <a:prstGeom prst="ellipse">
-              <a:avLst/>
-            </a:prstGeom>
-            <a:blipFill dpi="0" rotWithShape="1">
-              <a:blip r:embed="rId13">
-                <a:duotone>
-                  <a:schemeClr val="accent2">
-                    <a:shade val="45000"/>
-                    <a:satMod val="135000"/>
-                  </a:schemeClr>
-                  <a:prstClr val="white"/>
-                </a:duotone>
-                <a:extLst>
-                  <a:ext uri="{BEBA8EAE-BF5A-486C-A8C5-ECC9F3942E4B}">
-                    <a14:imgProps xmlns:a14="http://schemas.microsoft.com/office/drawing/2010/main">
-                      <a14:imgLayer r:embed="rId14">
-                        <a14:imgEffect>
-                          <a14:saturation sat="95000"/>
-                        </a14:imgEffect>
-                        <a14:imgEffect>
-                          <a14:brightnessContrast bright="-40000" contrast="20000"/>
-                        </a14:imgEffect>
-                      </a14:imgLayer>
-                    </a14:imgProps>
-                  </a:ext>
-                </a:extLst>
-              </a:blip>
-              <a:srcRect/>
-              <a:tile tx="50800" ty="0" sx="85000" sy="85000" flip="none" algn="tl"/>
-            </a:blipFill>
-            <a:ln w="25400" cap="flat" cmpd="sng" algn="ctr">
-              <a:noFill/>
-              <a:prstDash val="solid"/>
-            </a:ln>
-            <a:effectLst/>
-          </p:spPr>
-        </p:sp>
-        <p:sp>
-          <p:nvSpPr>
-            <p:cNvPr id="9" name="Oval 8"/>
-            <p:cNvSpPr/>
-            <p:nvPr/>
-          </p:nvSpPr>
-          <p:spPr>
-            <a:xfrm>
-              <a:off x="11396488" y="6230844"/>
-              <a:ext cx="478576" cy="478578"/>
-            </a:xfrm>
-            <a:prstGeom prst="ellipse">
-              <a:avLst/>
-            </a:prstGeom>
-            <a:noFill/>
-            <a:ln w="12700" cap="flat" cmpd="sng" algn="ctr">
-              <a:solidFill>
-                <a:srgbClr val="FFFFFF"/>
-              </a:solidFill>
-              <a:prstDash val="solid"/>
-            </a:ln>
-            <a:effectLst/>
-          </p:spPr>
-        </p:sp>
-      </p:grpSp>
       <p:sp>
         <p:nvSpPr>
           <p:cNvPr id="6" name="Slide Number Placeholder 5"/>
@@ -3987,8 +3701,8 @@
         </p:nvSpPr>
         <p:spPr>
           <a:xfrm>
-            <a:off x="11311128" y="6272784"/>
-            <a:ext cx="640080" cy="365125"/>
+            <a:off x="9900458" y="6459785"/>
+            <a:ext cx="1312025" cy="365125"/>
           </a:xfrm>
           <a:prstGeom prst="rect">
             <a:avLst/>
@@ -3997,12 +3711,11 @@
         <p:txBody>
           <a:bodyPr vert="horz" lIns="91440" tIns="45720" rIns="91440" bIns="45720" rtlCol="0" anchor="ctr"/>
           <a:lstStyle>
-            <a:lvl1pPr algn="ctr">
-              <a:defRPr sz="1400" b="1">
+            <a:lvl1pPr algn="r">
+              <a:defRPr sz="1050">
                 <a:solidFill>
                   <a:srgbClr val="FFFFFF"/>
                 </a:solidFill>
-                <a:latin typeface="+mj-lt"/>
               </a:defRPr>
             </a:lvl1pPr>
           </a:lstStyle>
@@ -4015,48 +3728,82 @@
           </a:p>
         </p:txBody>
       </p:sp>
+      <p:cxnSp>
+        <p:nvCxnSpPr>
+          <p:cNvPr id="10" name="Straight Connector 9"/>
+          <p:cNvCxnSpPr/>
+          <p:nvPr/>
+        </p:nvCxnSpPr>
+        <p:spPr>
+          <a:xfrm>
+            <a:off x="1193532" y="1737845"/>
+            <a:ext cx="9966960" cy="0"/>
+          </a:xfrm>
+          <a:prstGeom prst="line">
+            <a:avLst/>
+          </a:prstGeom>
+          <a:ln w="6350">
+            <a:solidFill>
+              <a:schemeClr val="tx1">
+                <a:lumMod val="50000"/>
+                <a:lumOff val="50000"/>
+              </a:schemeClr>
+            </a:solidFill>
+          </a:ln>
+        </p:spPr>
+        <p:style>
+          <a:lnRef idx="1">
+            <a:schemeClr val="accent1"/>
+          </a:lnRef>
+          <a:fillRef idx="0">
+            <a:schemeClr val="accent1"/>
+          </a:fillRef>
+          <a:effectRef idx="0">
+            <a:schemeClr val="accent1"/>
+          </a:effectRef>
+          <a:fontRef idx="minor">
+            <a:schemeClr val="tx1"/>
+          </a:fontRef>
+        </p:style>
+      </p:cxnSp>
     </p:spTree>
     <p:extLst>
       <p:ext uri="{BB962C8B-B14F-4D97-AF65-F5344CB8AC3E}">
-        <p14:creationId xmlns:p14="http://schemas.microsoft.com/office/powerpoint/2010/main" val="879127142"/>
+        <p14:creationId xmlns:p14="http://schemas.microsoft.com/office/powerpoint/2010/main" val="3223025167"/>
       </p:ext>
     </p:extLst>
   </p:cSld>
   <p:clrMap bg1="lt1" tx1="dk1" bg2="lt2" tx2="dk2" accent1="accent1" accent2="accent2" accent3="accent3" accent4="accent4" accent5="accent5" accent6="accent6" hlink="hlink" folHlink="folHlink"/>
   <p:sldLayoutIdLst>
-    <p:sldLayoutId id="2147483685" r:id="rId1"/>
-    <p:sldLayoutId id="2147483686" r:id="rId2"/>
-    <p:sldLayoutId id="2147483687" r:id="rId3"/>
-    <p:sldLayoutId id="2147483688" r:id="rId4"/>
-    <p:sldLayoutId id="2147483689" r:id="rId5"/>
-    <p:sldLayoutId id="2147483690" r:id="rId6"/>
-    <p:sldLayoutId id="2147483691" r:id="rId7"/>
-    <p:sldLayoutId id="2147483692" r:id="rId8"/>
-    <p:sldLayoutId id="2147483693" r:id="rId9"/>
-    <p:sldLayoutId id="2147483694" r:id="rId10"/>
-    <p:sldLayoutId id="2147483695" r:id="rId11"/>
+    <p:sldLayoutId id="2147483697" r:id="rId1"/>
+    <p:sldLayoutId id="2147483698" r:id="rId2"/>
+    <p:sldLayoutId id="2147483699" r:id="rId3"/>
+    <p:sldLayoutId id="2147483700" r:id="rId4"/>
+    <p:sldLayoutId id="2147483701" r:id="rId5"/>
+    <p:sldLayoutId id="2147483702" r:id="rId6"/>
+    <p:sldLayoutId id="2147483703" r:id="rId7"/>
+    <p:sldLayoutId id="2147483704" r:id="rId8"/>
+    <p:sldLayoutId id="2147483705" r:id="rId9"/>
+    <p:sldLayoutId id="2147483706" r:id="rId10"/>
+    <p:sldLayoutId id="2147483707" r:id="rId11"/>
   </p:sldLayoutIdLst>
   <p:txStyles>
     <p:titleStyle>
       <a:lvl1pPr algn="l" defTabSz="914400" rtl="0" eaLnBrk="1" latinLnBrk="0" hangingPunct="1">
         <a:lnSpc>
-          <a:spcPct val="90000"/>
+          <a:spcPct val="85000"/>
         </a:lnSpc>
         <a:spcBef>
           <a:spcPct val="0"/>
         </a:spcBef>
         <a:buNone/>
-        <a:defRPr sz="4800" b="1" kern="1200" cap="none" baseline="0">
-          <a:blipFill>
-            <a:blip r:embed="rId15">
-              <a:extLst>
-                <a:ext uri="{28A0092B-C50C-407E-A947-70E740481C1C}">
-                  <a14:useLocalDpi xmlns:a14="http://schemas.microsoft.com/office/drawing/2010/main" val="0"/>
-                </a:ext>
-              </a:extLst>
-            </a:blip>
-            <a:tile tx="6350" ty="-127000" sx="65000" sy="64000" flip="none" algn="tl"/>
-          </a:blipFill>
+        <a:defRPr sz="4800" kern="1200" spc="-50" baseline="0">
+          <a:solidFill>
+            <a:schemeClr val="tx1">
+              <a:lumMod val="75000"/>
+              <a:lumOff val="25000"/>
+            </a:schemeClr>
+          </a:solidFill>
           <a:latin typeface="+mj-lt"/>
           <a:ea typeface="+mj-ea"/>
           <a:cs typeface="+mj-cs"/>
@@ -4064,222 +3811,244 @@
       </a:lvl1pPr>
     </p:titleStyle>
     <p:bodyStyle>
-      <a:lvl1pPr marL="182880" indent="-182880" algn="l" defTabSz="914400" rtl="0" eaLnBrk="1" latinLnBrk="0" hangingPunct="1">
+      <a:lvl1pPr marL="91440" indent="-91440" algn="l" defTabSz="914400" rtl="0" eaLnBrk="1" latinLnBrk="0" hangingPunct="1">
         <a:lnSpc>
           <a:spcPct val="90000"/>
         </a:lnSpc>
         <a:spcBef>
           <a:spcPts val="1200"/>
         </a:spcBef>
+        <a:spcAft>
+          <a:spcPts val="200"/>
+        </a:spcAft>
         <a:buClr>
-          <a:schemeClr val="accent2"/>
+          <a:schemeClr val="accent1"/>
         </a:buClr>
-        <a:buSzPct val="85000"/>
-        <a:buFont typeface="Wingdings" pitchFamily="2" charset="2"/>
-        <a:buChar char="§"/>
+        <a:buSzPct val="100000"/>
+        <a:buFont typeface="Calibri" panose="020F0502020204030204" pitchFamily="34" charset="0"/>
+        <a:buChar char=" "/>
         <a:defRPr sz="2000" kern="1200">
           <a:solidFill>
-            <a:schemeClr val="tx1"/>
+            <a:schemeClr val="tx1">
+              <a:lumMod val="75000"/>
+              <a:lumOff val="25000"/>
+            </a:schemeClr>
           </a:solidFill>
           <a:latin typeface="+mn-lt"/>
           <a:ea typeface="+mn-ea"/>
           <a:cs typeface="+mn-cs"/>
         </a:defRPr>
       </a:lvl1pPr>
-      <a:lvl2pPr marL="457200" indent="-182880" algn="l" defTabSz="914400" rtl="0" eaLnBrk="1" latinLnBrk="0" hangingPunct="1">
+      <a:lvl2pPr marL="384048" indent="-182880" algn="l" defTabSz="914400" rtl="0" eaLnBrk="1" latinLnBrk="0" hangingPunct="1">
         <a:lnSpc>
           <a:spcPct val="90000"/>
         </a:lnSpc>
         <a:spcBef>
-          <a:spcPts val="400"/>
+          <a:spcPts val="200"/>
         </a:spcBef>
         <a:spcAft>
-          <a:spcPts val="200"/>
+          <a:spcPts val="400"/>
         </a:spcAft>
         <a:buClr>
-          <a:schemeClr val="accent2"/>
+          <a:schemeClr val="accent1"/>
         </a:buClr>
-        <a:buSzPct val="85000"/>
-        <a:buFont typeface="Wingdings" pitchFamily="2" charset="2"/>
-        <a:buChar char="§"/>
+        <a:buFont typeface="Calibri" pitchFamily="34" charset="0"/>
+        <a:buChar char="◦"/>
         <a:defRPr sz="1800" kern="1200">
           <a:solidFill>
-            <a:schemeClr val="tx1"/>
+            <a:schemeClr val="tx1">
+              <a:lumMod val="75000"/>
+              <a:lumOff val="25000"/>
+            </a:schemeClr>
           </a:solidFill>
           <a:latin typeface="+mn-lt"/>
           <a:ea typeface="+mn-ea"/>
           <a:cs typeface="+mn-cs"/>
         </a:defRPr>
       </a:lvl2pPr>
-      <a:lvl3pPr marL="731520" indent="-182880" algn="l" defTabSz="914400" rtl="0" eaLnBrk="1" latinLnBrk="0" hangingPunct="1">
+      <a:lvl3pPr marL="566928" indent="-182880" algn="l" defTabSz="914400" rtl="0" eaLnBrk="1" latinLnBrk="0" hangingPunct="1">
         <a:lnSpc>
           <a:spcPct val="90000"/>
         </a:lnSpc>
         <a:spcBef>
-          <a:spcPts val="400"/>
+          <a:spcPts val="200"/>
         </a:spcBef>
         <a:spcAft>
-          <a:spcPts val="200"/>
+          <a:spcPts val="400"/>
         </a:spcAft>
         <a:buClr>
-          <a:schemeClr val="accent2"/>
+          <a:schemeClr val="accent1"/>
         </a:buClr>
-        <a:buSzPct val="85000"/>
-        <a:buFont typeface="Wingdings" pitchFamily="2" charset="2"/>
-        <a:buChar char="§"/>
-        <a:defRPr sz="1600" kern="1200">
+        <a:buFont typeface="Calibri" pitchFamily="34" charset="0"/>
+        <a:buChar char="◦"/>
+        <a:defRPr sz="1400" kern="1200">
           <a:solidFill>
-            <a:schemeClr val="tx1"/>
+            <a:schemeClr val="tx1">
+              <a:lumMod val="75000"/>
+              <a:lumOff val="25000"/>
+            </a:schemeClr>
           </a:solidFill>
           <a:latin typeface="+mn-lt"/>
           <a:ea typeface="+mn-ea"/>
           <a:cs typeface="+mn-cs"/>
         </a:defRPr>
       </a:lvl3pPr>
-      <a:lvl4pPr marL="1005840" indent="-182880" algn="l" defTabSz="914400" rtl="0" eaLnBrk="1" latinLnBrk="0" hangingPunct="1">
+      <a:lvl4pPr marL="749808" indent="-182880" algn="l" defTabSz="914400" rtl="0" eaLnBrk="1" latinLnBrk="0" hangingPunct="1">
         <a:lnSpc>
           <a:spcPct val="90000"/>
         </a:lnSpc>
         <a:spcBef>
-          <a:spcPts val="400"/>
+          <a:spcPts val="200"/>
         </a:spcBef>
         <a:spcAft>
-          <a:spcPts val="200"/>
+          <a:spcPts val="400"/>
         </a:spcAft>
         <a:buClr>
-          <a:schemeClr val="accent2"/>
+          <a:schemeClr val="accent1"/>
         </a:buClr>
-        <a:buSzPct val="85000"/>
-        <a:buFont typeface="Wingdings" pitchFamily="2" charset="2"/>
-        <a:buChar char="§"/>
-        <a:defRPr sz="1600" kern="1200">
+        <a:buFont typeface="Calibri" pitchFamily="34" charset="0"/>
+        <a:buChar char="◦"/>
+        <a:defRPr sz="1400" kern="1200">
           <a:solidFill>
-            <a:schemeClr val="tx1"/>
+            <a:schemeClr val="tx1">
+              <a:lumMod val="75000"/>
+              <a:lumOff val="25000"/>
+            </a:schemeClr>
           </a:solidFill>
           <a:latin typeface="+mn-lt"/>
           <a:ea typeface="+mn-ea"/>
           <a:cs typeface="+mn-cs"/>
         </a:defRPr>
       </a:lvl4pPr>
-      <a:lvl5pPr marL="1280160" indent="-182880" algn="l" defTabSz="914400" rtl="0" eaLnBrk="1" latinLnBrk="0" hangingPunct="1">
+      <a:lvl5pPr marL="932688" indent="-182880" algn="l" defTabSz="914400" rtl="0" eaLnBrk="1" latinLnBrk="0" hangingPunct="1">
         <a:lnSpc>
           <a:spcPct val="90000"/>
         </a:lnSpc>
         <a:spcBef>
-          <a:spcPts val="400"/>
+          <a:spcPts val="200"/>
         </a:spcBef>
         <a:spcAft>
-          <a:spcPts val="200"/>
+          <a:spcPts val="400"/>
         </a:spcAft>
         <a:buClr>
-          <a:schemeClr val="accent2"/>
+          <a:schemeClr val="accent1"/>
         </a:buClr>
-        <a:buSzPct val="85000"/>
-        <a:buFont typeface="Wingdings" pitchFamily="2" charset="2"/>
-        <a:buChar char="§"/>
-        <a:defRPr sz="1600" kern="1200">
+        <a:buFont typeface="Calibri" pitchFamily="34" charset="0"/>
+        <a:buChar char="◦"/>
+        <a:defRPr sz="1400" kern="1200">
           <a:solidFill>
-            <a:schemeClr val="tx1"/>
+            <a:schemeClr val="tx1">
+              <a:lumMod val="75000"/>
+              <a:lumOff val="25000"/>
+            </a:schemeClr>
           </a:solidFill>
           <a:latin typeface="+mn-lt"/>
           <a:ea typeface="+mn-ea"/>
           <a:cs typeface="+mn-cs"/>
         </a:defRPr>
       </a:lvl5pPr>
-      <a:lvl6pPr marL="1600000" indent="-228600" algn="l" defTabSz="914400" rtl="0" eaLnBrk="1" latinLnBrk="0" hangingPunct="1">
+      <a:lvl6pPr marL="1100000" indent="-228600" algn="l" defTabSz="914400" rtl="0" eaLnBrk="1" latinLnBrk="0" hangingPunct="1">
         <a:lnSpc>
           <a:spcPct val="90000"/>
         </a:lnSpc>
         <a:spcBef>
-          <a:spcPts val="400"/>
+          <a:spcPts val="200"/>
         </a:spcBef>
         <a:spcAft>
-          <a:spcPts val="200"/>
+          <a:spcPts val="400"/>
         </a:spcAft>
         <a:buClr>
-          <a:schemeClr val="accent2"/>
+          <a:schemeClr val="accent1"/>
         </a:buClr>
-        <a:buSzPct val="85000"/>
-        <a:buFont typeface="Wingdings" pitchFamily="2" charset="2"/>
-        <a:buChar char="§"/>
-        <a:defRPr sz="1600" kern="1200">
+        <a:buFont typeface="Calibri" pitchFamily="34" charset="0"/>
+        <a:buChar char="◦"/>
+        <a:defRPr sz="1400" kern="1200">
           <a:solidFill>
-            <a:schemeClr val="tx1"/>
+            <a:schemeClr val="tx1">
+              <a:lumMod val="75000"/>
+              <a:lumOff val="25000"/>
+            </a:schemeClr>
           </a:solidFill>
           <a:latin typeface="+mn-lt"/>
           <a:ea typeface="+mn-ea"/>
           <a:cs typeface="+mn-cs"/>
         </a:defRPr>
       </a:lvl6pPr>
-      <a:lvl7pPr marL="1900000" indent="-228600" algn="l" defTabSz="914400" rtl="0" eaLnBrk="1" latinLnBrk="0" hangingPunct="1">
+      <a:lvl7pPr marL="1300000" indent="-228600" algn="l" defTabSz="914400" rtl="0" eaLnBrk="1" latinLnBrk="0" hangingPunct="1">
         <a:lnSpc>
           <a:spcPct val="90000"/>
         </a:lnSpc>
         <a:spcBef>
-          <a:spcPts val="400"/>
+          <a:spcPts val="200"/>
         </a:spcBef>
         <a:spcAft>
-          <a:spcPts val="200"/>
+          <a:spcPts val="400"/>
         </a:spcAft>
         <a:buClr>
-          <a:schemeClr val="accent2"/>
+          <a:schemeClr val="accent1"/>
         </a:buClr>
-        <a:buSzPct val="85000"/>
-        <a:buFont typeface="Wingdings" pitchFamily="2" charset="2"/>
-        <a:buChar char="§"/>
-        <a:defRPr sz="1600" kern="1200">
+        <a:buFont typeface="Calibri" pitchFamily="34" charset="0"/>
+        <a:buChar char="◦"/>
+        <a:defRPr sz="1400" kern="1200">
           <a:solidFill>
-            <a:schemeClr val="tx1"/>
+            <a:schemeClr val="tx1">
+              <a:lumMod val="75000"/>
+              <a:lumOff val="25000"/>
+            </a:schemeClr>
           </a:solidFill>
           <a:latin typeface="+mn-lt"/>
           <a:ea typeface="+mn-ea"/>
           <a:cs typeface="+mn-cs"/>
         </a:defRPr>
       </a:lvl7pPr>
-      <a:lvl8pPr marL="2200000" indent="-228600" algn="l" defTabSz="914400" rtl="0" eaLnBrk="1" latinLnBrk="0" hangingPunct="1">
+      <a:lvl8pPr marL="1500000" indent="-228600" algn="l" defTabSz="914400" rtl="0" eaLnBrk="1" latinLnBrk="0" hangingPunct="1">
         <a:lnSpc>
           <a:spcPct val="90000"/>
         </a:lnSpc>
         <a:spcBef>
-          <a:spcPts val="400"/>
+          <a:spcPts val="200"/>
         </a:spcBef>
         <a:spcAft>
-          <a:spcPts val="200"/>
+          <a:spcPts val="400"/>
         </a:spcAft>
         <a:buClr>
-          <a:schemeClr val="accent2"/>
+          <a:schemeClr val="accent1"/>
         </a:buClr>
-        <a:buSzPct val="85000"/>
-        <a:buFont typeface="Wingdings" pitchFamily="2" charset="2"/>
-        <a:buChar char="§"/>
-        <a:defRPr sz="1600" kern="1200">
+        <a:buFont typeface="Calibri" pitchFamily="34" charset="0"/>
+        <a:buChar char="◦"/>
+        <a:defRPr sz="1400" kern="1200">
           <a:solidFill>
-            <a:schemeClr val="tx1"/>
+            <a:schemeClr val="tx1">
+              <a:lumMod val="75000"/>
+              <a:lumOff val="25000"/>
+            </a:schemeClr>
           </a:solidFill>
           <a:latin typeface="+mn-lt"/>
           <a:ea typeface="+mn-ea"/>
           <a:cs typeface="+mn-cs"/>
         </a:defRPr>
       </a:lvl8pPr>
-      <a:lvl9pPr marL="2500000" indent="-228600" algn="l" defTabSz="914400" rtl="0" eaLnBrk="1" latinLnBrk="0" hangingPunct="1">
+      <a:lvl9pPr marL="1700000" indent="-228600" algn="l" defTabSz="914400" rtl="0" eaLnBrk="1" latinLnBrk="0" hangingPunct="1">
         <a:lnSpc>
           <a:spcPct val="90000"/>
         </a:lnSpc>
         <a:spcBef>
-          <a:spcPts val="400"/>
+          <a:spcPts val="200"/>
         </a:spcBef>
         <a:spcAft>
-          <a:spcPts val="200"/>
+          <a:spcPts val="400"/>
         </a:spcAft>
         <a:buClr>
-          <a:schemeClr val="accent2"/>
+          <a:schemeClr val="accent1"/>
         </a:buClr>
-        <a:buSzPct val="85000"/>
-        <a:buFont typeface="Wingdings" pitchFamily="2" charset="2"/>
-        <a:buChar char="§"/>
-        <a:defRPr sz="1600" kern="1200">
+        <a:buFont typeface="Calibri" pitchFamily="34" charset="0"/>
+        <a:buChar char="◦"/>
+        <a:defRPr sz="1400" kern="1200">
           <a:solidFill>
-            <a:schemeClr val="tx1"/>
+            <a:schemeClr val="tx1">
+              <a:lumMod val="75000"/>
+              <a:lumOff val="25000"/>
+            </a:schemeClr>
           </a:solidFill>
           <a:latin typeface="+mn-lt"/>
           <a:ea typeface="+mn-ea"/>
@@ -4467,7 +4236,7 @@
         <p:spPr/>
         <p:txBody>
           <a:bodyPr>
-            <a:normAutofit fontScale="92500" lnSpcReduction="20000"/>
+            <a:normAutofit fontScale="85000" lnSpcReduction="20000"/>
           </a:bodyPr>
           <a:lstStyle/>
           <a:p>
@@ -4539,6 +4308,297 @@
       </p:grpSpPr>
       <p:sp>
         <p:nvSpPr>
+          <p:cNvPr id="2" name="標題 1"/>
+          <p:cNvSpPr>
+            <a:spLocks noGrp="1"/>
+          </p:cNvSpPr>
+          <p:nvPr>
+            <p:ph type="title"/>
+          </p:nvPr>
+        </p:nvSpPr>
+        <p:spPr/>
+        <p:txBody>
+          <a:bodyPr/>
+          <a:lstStyle/>
+          <a:p>
+            <a:r>
+              <a:rPr lang="en-US" altLang="zh-TW" dirty="0"/>
+              <a:t>Difficulty</a:t>
+            </a:r>
+            <a:endParaRPr lang="zh-TW" altLang="en-US" dirty="0"/>
+          </a:p>
+        </p:txBody>
+      </p:sp>
+      <p:sp>
+        <p:nvSpPr>
+          <p:cNvPr id="3" name="內容版面配置區 2"/>
+          <p:cNvSpPr>
+            <a:spLocks noGrp="1"/>
+          </p:cNvSpPr>
+          <p:nvPr>
+            <p:ph idx="1"/>
+          </p:nvPr>
+        </p:nvSpPr>
+        <p:spPr/>
+        <p:txBody>
+          <a:bodyPr>
+            <a:normAutofit/>
+          </a:bodyPr>
+          <a:lstStyle/>
+          <a:p>
+            <a:r>
+              <a:rPr lang="en-US" altLang="zh-TW" sz="2400" dirty="0"/>
+              <a:t>feature </a:t>
+            </a:r>
+            <a:r>
+              <a:rPr lang="zh-TW" altLang="en-US" sz="2400" dirty="0"/>
+              <a:t>處理</a:t>
+            </a:r>
+            <a:endParaRPr lang="en-US" altLang="zh-TW" sz="2400" dirty="0"/>
+          </a:p>
+          <a:p>
+            <a:r>
+              <a:rPr lang="zh-TW" altLang="en-US" sz="2400" dirty="0"/>
+              <a:t>使用</a:t>
+            </a:r>
+            <a:r>
+              <a:rPr lang="en-US" altLang="zh-TW" sz="2400" dirty="0"/>
+              <a:t>NN</a:t>
+            </a:r>
+            <a:r>
+              <a:rPr lang="zh-TW" altLang="en-US" sz="2400" dirty="0"/>
+              <a:t>的方法</a:t>
+            </a:r>
+            <a:endParaRPr lang="en-US" altLang="zh-TW" sz="2400" dirty="0"/>
+          </a:p>
+          <a:p>
+            <a:r>
+              <a:rPr lang="zh-TW" altLang="en-US" sz="2400" dirty="0"/>
+              <a:t>參數 </a:t>
+            </a:r>
+            <a:r>
+              <a:rPr lang="en-US" altLang="zh-TW" sz="2400" dirty="0"/>
+              <a:t>fine tune </a:t>
+            </a:r>
+          </a:p>
+        </p:txBody>
+      </p:sp>
+    </p:spTree>
+    <p:extLst>
+      <p:ext uri="{BB962C8B-B14F-4D97-AF65-F5344CB8AC3E}">
+        <p14:creationId xmlns:p14="http://schemas.microsoft.com/office/powerpoint/2010/main" val="912152073"/>
+      </p:ext>
+    </p:extLst>
+  </p:cSld>
+  <p:clrMapOvr>
+    <a:masterClrMapping/>
+  </p:clrMapOvr>
+</p:sld>
+</file>
+
+<file path=ppt/slides/slide11.xml><?xml version="1.0" encoding="utf-8"?>
+<p:sld xmlns:a="http://schemas.openxmlformats.org/drawingml/2006/main" xmlns:r="http://schemas.openxmlformats.org/officeDocument/2006/relationships" xmlns:p="http://schemas.openxmlformats.org/presentationml/2006/main">
+  <p:cSld>
+    <p:spTree>
+      <p:nvGrpSpPr>
+        <p:cNvPr id="1" name=""/>
+        <p:cNvGrpSpPr/>
+        <p:nvPr/>
+      </p:nvGrpSpPr>
+      <p:grpSpPr>
+        <a:xfrm>
+          <a:off x="0" y="0"/>
+          <a:ext cx="0" cy="0"/>
+          <a:chOff x="0" y="0"/>
+          <a:chExt cx="0" cy="0"/>
+        </a:xfrm>
+      </p:grpSpPr>
+      <p:sp>
+        <p:nvSpPr>
+          <p:cNvPr id="2" name="標題 1">
+            <a:extLst>
+              <a:ext uri="{FF2B5EF4-FFF2-40B4-BE49-F238E27FC236}">
+                <a16:creationId xmlns:a16="http://schemas.microsoft.com/office/drawing/2014/main" id="{BAA3558C-D2FC-4C1A-A130-916DFE02C401}"/>
+              </a:ext>
+            </a:extLst>
+          </p:cNvPr>
+          <p:cNvSpPr>
+            <a:spLocks noGrp="1"/>
+          </p:cNvSpPr>
+          <p:nvPr>
+            <p:ph type="title"/>
+          </p:nvPr>
+        </p:nvSpPr>
+        <p:spPr/>
+        <p:txBody>
+          <a:bodyPr/>
+          <a:lstStyle/>
+          <a:p>
+            <a:r>
+              <a:rPr lang="zh-TW" altLang="en-US" dirty="0"/>
+              <a:t>工作分配</a:t>
+            </a:r>
+          </a:p>
+        </p:txBody>
+      </p:sp>
+      <p:sp>
+        <p:nvSpPr>
+          <p:cNvPr id="3" name="內容版面配置區 2">
+            <a:extLst>
+              <a:ext uri="{FF2B5EF4-FFF2-40B4-BE49-F238E27FC236}">
+                <a16:creationId xmlns:a16="http://schemas.microsoft.com/office/drawing/2014/main" id="{65288102-863E-4E7E-B072-794FFF56D11A}"/>
+              </a:ext>
+            </a:extLst>
+          </p:cNvPr>
+          <p:cNvSpPr>
+            <a:spLocks noGrp="1"/>
+          </p:cNvSpPr>
+          <p:nvPr>
+            <p:ph idx="1"/>
+          </p:nvPr>
+        </p:nvSpPr>
+        <p:spPr/>
+        <p:txBody>
+          <a:bodyPr/>
+          <a:lstStyle/>
+          <a:p>
+            <a:r>
+              <a:rPr lang="en-US" altLang="zh-TW" dirty="0"/>
+              <a:t>data</a:t>
+            </a:r>
+            <a:r>
+              <a:rPr lang="zh-TW" altLang="en-US" dirty="0"/>
+              <a:t>前處理 </a:t>
+            </a:r>
+            <a:r>
+              <a:rPr lang="en-US" altLang="zh-TW" dirty="0"/>
+              <a:t>:</a:t>
+            </a:r>
+            <a:r>
+              <a:rPr lang="zh-TW" altLang="en-US" dirty="0"/>
+              <a:t>簡靖岳、楊志穎、徐子杰</a:t>
+            </a:r>
+            <a:endParaRPr lang="en-US" altLang="zh-TW" dirty="0"/>
+          </a:p>
+          <a:p>
+            <a:r>
+              <a:rPr lang="zh-TW" altLang="en-US" dirty="0"/>
+              <a:t>額外</a:t>
+            </a:r>
+            <a:r>
+              <a:rPr lang="en-US" altLang="zh-TW" dirty="0"/>
+              <a:t>feature</a:t>
+            </a:r>
+            <a:r>
+              <a:rPr lang="zh-TW" altLang="en-US" dirty="0"/>
+              <a:t>蒐集</a:t>
+            </a:r>
+            <a:r>
+              <a:rPr lang="en-US" altLang="zh-TW" dirty="0"/>
+              <a:t>:</a:t>
+            </a:r>
+            <a:r>
+              <a:rPr lang="zh-TW" altLang="en-US" dirty="0"/>
+              <a:t>徐子杰</a:t>
+            </a:r>
+            <a:endParaRPr lang="en-US" altLang="zh-TW" dirty="0"/>
+          </a:p>
+          <a:p>
+            <a:r>
+              <a:rPr lang="en-US" altLang="zh-TW" dirty="0"/>
+              <a:t>ML</a:t>
+            </a:r>
+            <a:r>
+              <a:rPr lang="zh-TW" altLang="en-US" dirty="0"/>
+              <a:t>模型訓練</a:t>
+            </a:r>
+            <a:r>
+              <a:rPr lang="en-US" altLang="zh-TW" dirty="0"/>
+              <a:t>:</a:t>
+            </a:r>
+            <a:r>
+              <a:rPr lang="zh-TW" altLang="en-US" dirty="0"/>
+              <a:t>簡靖岳</a:t>
+            </a:r>
+            <a:endParaRPr lang="en-US" altLang="zh-TW" dirty="0"/>
+          </a:p>
+          <a:p>
+            <a:r>
+              <a:rPr lang="en-US" altLang="zh-TW" dirty="0"/>
+              <a:t>NN</a:t>
+            </a:r>
+            <a:r>
+              <a:rPr lang="zh-TW" altLang="en-US" dirty="0"/>
+              <a:t>模型訓練</a:t>
+            </a:r>
+            <a:r>
+              <a:rPr lang="en-US" altLang="zh-TW" dirty="0"/>
+              <a:t>:</a:t>
+            </a:r>
+            <a:r>
+              <a:rPr lang="zh-TW" altLang="en-US" dirty="0"/>
+              <a:t>楊志穎</a:t>
+            </a:r>
+            <a:endParaRPr lang="en-US" altLang="zh-TW" dirty="0"/>
+          </a:p>
+          <a:p>
+            <a:r>
+              <a:rPr lang="zh-TW" altLang="en-US" dirty="0"/>
+              <a:t>參數</a:t>
+            </a:r>
+            <a:r>
+              <a:rPr lang="en-US" altLang="zh-TW" dirty="0"/>
+              <a:t>fine tune:</a:t>
+            </a:r>
+            <a:r>
+              <a:rPr lang="zh-TW" altLang="en-US" dirty="0"/>
+              <a:t>簡靖岳、楊志穎、徐子杰</a:t>
+            </a:r>
+            <a:endParaRPr lang="en-US" altLang="zh-TW" dirty="0"/>
+          </a:p>
+          <a:p>
+            <a:endParaRPr lang="en-US" altLang="zh-TW" dirty="0"/>
+          </a:p>
+          <a:p>
+            <a:endParaRPr lang="en-US" altLang="zh-TW" dirty="0"/>
+          </a:p>
+          <a:p>
+            <a:endParaRPr lang="zh-TW" altLang="en-US" dirty="0"/>
+          </a:p>
+        </p:txBody>
+      </p:sp>
+    </p:spTree>
+    <p:extLst>
+      <p:ext uri="{BB962C8B-B14F-4D97-AF65-F5344CB8AC3E}">
+        <p14:creationId xmlns:p14="http://schemas.microsoft.com/office/powerpoint/2010/main" val="1929922231"/>
+      </p:ext>
+    </p:extLst>
+  </p:cSld>
+  <p:clrMapOvr>
+    <a:masterClrMapping/>
+  </p:clrMapOvr>
+</p:sld>
+</file>
+
+<file path=ppt/slides/slide12.xml><?xml version="1.0" encoding="utf-8"?>
+<p:sld xmlns:a="http://schemas.openxmlformats.org/drawingml/2006/main" xmlns:r="http://schemas.openxmlformats.org/officeDocument/2006/relationships" xmlns:p="http://schemas.openxmlformats.org/presentationml/2006/main">
+  <p:cSld>
+    <p:spTree>
+      <p:nvGrpSpPr>
+        <p:cNvPr id="1" name=""/>
+        <p:cNvGrpSpPr/>
+        <p:nvPr/>
+      </p:nvGrpSpPr>
+      <p:grpSpPr>
+        <a:xfrm>
+          <a:off x="0" y="0"/>
+          <a:ext cx="0" cy="0"/>
+          <a:chOff x="0" y="0"/>
+          <a:chExt cx="0" cy="0"/>
+        </a:xfrm>
+      </p:grpSpPr>
+      <p:sp>
+        <p:nvSpPr>
           <p:cNvPr id="2" name="標題 1">
             <a:extLst>
               <a:ext uri="{FF2B5EF4-FFF2-40B4-BE49-F238E27FC236}">
@@ -4748,7 +4808,7 @@
         </p:blipFill>
         <p:spPr bwMode="auto">
           <a:xfrm>
-            <a:off x="5709578" y="3758866"/>
+            <a:off x="5709578" y="5103629"/>
             <a:ext cx="3090406" cy="873839"/>
           </a:xfrm>
           <a:prstGeom prst="rect">
@@ -4789,7 +4849,7 @@
         </p:blipFill>
         <p:spPr bwMode="auto">
           <a:xfrm>
-            <a:off x="7947074" y="1946810"/>
+            <a:off x="8148242" y="2951629"/>
             <a:ext cx="3367479" cy="2488311"/>
           </a:xfrm>
           <a:prstGeom prst="rect">
@@ -4821,7 +4881,7 @@
         </p:nvGrpSpPr>
         <p:grpSpPr>
           <a:xfrm>
-            <a:off x="5709578" y="875555"/>
+            <a:off x="5709578" y="1946810"/>
             <a:ext cx="3756520" cy="1339054"/>
             <a:chOff x="6561939" y="4063455"/>
             <a:chExt cx="3756520" cy="1339054"/>
@@ -5014,6 +5074,10 @@
           </a:bodyPr>
           <a:lstStyle/>
           <a:p>
+            <a:pPr>
+              <a:buFont typeface="Wingdings" panose="05000000000000000000" pitchFamily="2" charset="2"/>
+              <a:buChar char="l"/>
+            </a:pPr>
             <a:r>
               <a:rPr lang="zh-TW" altLang="en-US" dirty="0"/>
               <a:t>將交通模式分成</a:t>
@@ -5052,7 +5116,7 @@
             </a:r>
             <a:r>
               <a:rPr lang="zh-TW" altLang="en-US" dirty="0"/>
-              <a:t>的標準差、中位數、最大值最小值，加入</a:t>
+              <a:t>的平均、標準差、中位數、最大值最小值，加入</a:t>
             </a:r>
             <a:r>
               <a:rPr lang="en-US" altLang="zh-TW" dirty="0"/>
@@ -5065,6 +5129,10 @@
             <a:endParaRPr lang="en-US" altLang="zh-TW" dirty="0"/>
           </a:p>
           <a:p>
+            <a:pPr>
+              <a:buFont typeface="Wingdings" panose="05000000000000000000" pitchFamily="2" charset="2"/>
+              <a:buChar char="l"/>
+            </a:pPr>
             <a:r>
               <a:rPr lang="en-US" altLang="zh-TW" dirty="0"/>
               <a:t>od</a:t>
@@ -5077,8 +5145,17 @@
               <a:rPr lang="en-US" altLang="zh-TW" dirty="0"/>
               <a:t>pair</a:t>
             </a:r>
-          </a:p>
-          <a:p>
+            <a:r>
+              <a:rPr lang="zh-TW" altLang="en-US" dirty="0"/>
+              <a:t>分隔開</a:t>
+            </a:r>
+            <a:endParaRPr lang="en-US" altLang="zh-TW" dirty="0"/>
+          </a:p>
+          <a:p>
+            <a:pPr>
+              <a:buFont typeface="Wingdings" panose="05000000000000000000" pitchFamily="2" charset="2"/>
+              <a:buChar char="l"/>
+            </a:pPr>
             <a:r>
               <a:rPr lang="en-US" altLang="zh-TW" dirty="0"/>
               <a:t>profile</a:t>
@@ -5090,51 +5167,24 @@
             <a:endParaRPr lang="en-US" altLang="zh-TW" dirty="0"/>
           </a:p>
           <a:p>
+            <a:pPr>
+              <a:buFont typeface="Wingdings" panose="05000000000000000000" pitchFamily="2" charset="2"/>
+              <a:buChar char="l"/>
+            </a:pPr>
             <a:r>
               <a:rPr lang="zh-TW" altLang="en-US" dirty="0"/>
               <a:t>補齊缺失資料 </a:t>
             </a:r>
             <a:r>
               <a:rPr lang="en-US" altLang="zh-TW" dirty="0"/>
-              <a:t>(0 or </a:t>
-            </a:r>
-            <a:r>
-              <a:rPr lang="en-US" altLang="zh-TW" dirty="0">
-                <a:solidFill>
-                  <a:srgbClr val="FF0000"/>
-                </a:solidFill>
-              </a:rPr>
-              <a:t>AVG or </a:t>
-            </a:r>
-            <a:r>
-              <a:rPr lang="zh-TW" altLang="en-US" dirty="0">
-                <a:solidFill>
-                  <a:srgbClr val="FF0000"/>
-                </a:solidFill>
-              </a:rPr>
-              <a:t>眾數</a:t>
-            </a:r>
-            <a:r>
-              <a:rPr lang="en-US" altLang="zh-TW" dirty="0"/>
-              <a:t>)</a:t>
-            </a:r>
-          </a:p>
-          <a:p>
-            <a:r>
-              <a:rPr lang="zh-TW" altLang="en-US" strike="sngStrike" dirty="0">
-                <a:solidFill>
-                  <a:srgbClr val="FF0000"/>
-                </a:solidFill>
-              </a:rPr>
-              <a:t>加入天氣資訊  </a:t>
-            </a:r>
-            <a:endParaRPr lang="en-US" altLang="zh-TW" strike="sngStrike" dirty="0">
-              <a:solidFill>
-                <a:srgbClr val="FF0000"/>
-              </a:solidFill>
-            </a:endParaRPr>
-          </a:p>
-          <a:p>
+              <a:t>(zero)</a:t>
+            </a:r>
+          </a:p>
+          <a:p>
+            <a:pPr>
+              <a:buFont typeface="Wingdings" panose="05000000000000000000" pitchFamily="2" charset="2"/>
+              <a:buChar char="l"/>
+            </a:pPr>
             <a:r>
               <a:rPr lang="zh-TW" altLang="en-US" dirty="0"/>
               <a:t>日期轉換為</a:t>
@@ -5143,25 +5193,12 @@
               <a:rPr lang="en-US" altLang="zh-TW" dirty="0"/>
               <a:t>weekday</a:t>
             </a:r>
-            <a:r>
-              <a:rPr lang="zh-TW" altLang="en-US" dirty="0"/>
-              <a:t>，</a:t>
-            </a:r>
-            <a:r>
-              <a:rPr lang="zh-TW" altLang="en-US" dirty="0">
-                <a:solidFill>
-                  <a:srgbClr val="FF0000"/>
-                </a:solidFill>
-              </a:rPr>
-              <a:t>加入平日與假日資訊</a:t>
-            </a:r>
-            <a:endParaRPr lang="en-US" altLang="zh-TW" dirty="0">
-              <a:solidFill>
-                <a:srgbClr val="FF0000"/>
-              </a:solidFill>
-            </a:endParaRPr>
-          </a:p>
-          <a:p>
+          </a:p>
+          <a:p>
+            <a:pPr>
+              <a:buFont typeface="Wingdings" panose="05000000000000000000" pitchFamily="2" charset="2"/>
+              <a:buChar char="l"/>
+            </a:pPr>
             <a:r>
               <a:rPr lang="zh-TW" altLang="en-US" dirty="0"/>
               <a:t>時間轉換為</a:t>
@@ -5175,48 +5212,6 @@
               <a:t>小時</a:t>
             </a:r>
             <a:endParaRPr lang="en-US" altLang="zh-TW" dirty="0"/>
-          </a:p>
-          <a:p>
-            <a:r>
-              <a:rPr lang="en-US" altLang="zh-TW" dirty="0">
-                <a:solidFill>
-                  <a:srgbClr val="FF0000"/>
-                </a:solidFill>
-              </a:rPr>
-              <a:t>OD</a:t>
-            </a:r>
-            <a:r>
-              <a:rPr lang="zh-TW" altLang="en-US" dirty="0">
-                <a:solidFill>
-                  <a:srgbClr val="FF0000"/>
-                </a:solidFill>
-              </a:rPr>
-              <a:t> </a:t>
-            </a:r>
-            <a:r>
-              <a:rPr lang="en-US" altLang="zh-TW" dirty="0">
-                <a:solidFill>
-                  <a:srgbClr val="FF0000"/>
-                </a:solidFill>
-              </a:rPr>
-              <a:t>PAIR </a:t>
-            </a:r>
-            <a:r>
-              <a:rPr lang="zh-TW" altLang="en-US" dirty="0">
-                <a:solidFill>
-                  <a:srgbClr val="FF0000"/>
-                </a:solidFill>
-              </a:rPr>
-              <a:t>轉換成公尺直線距離 加入</a:t>
-            </a:r>
-            <a:r>
-              <a:rPr lang="en-US" altLang="zh-TW" dirty="0">
-                <a:solidFill>
-                  <a:srgbClr val="FF0000"/>
-                </a:solidFill>
-              </a:rPr>
-              <a:t>feature</a:t>
-            </a:r>
           </a:p>
           <a:p>
             <a:pPr marL="0" indent="0">
@@ -5262,13 +5257,7 @@
       </p:grpSpPr>
       <p:sp>
         <p:nvSpPr>
-          <p:cNvPr id="2" name="標題 1">
-            <a:extLst>
-              <a:ext uri="{FF2B5EF4-FFF2-40B4-BE49-F238E27FC236}">
-                <a16:creationId xmlns:a16="http://schemas.microsoft.com/office/drawing/2014/main" id="{16779FAE-A31E-4C14-B8D4-C0B942FBD1A4}"/>
-              </a:ext>
-            </a:extLst>
-          </p:cNvPr>
+          <p:cNvPr id="2" name="標題 1"/>
           <p:cNvSpPr>
             <a:spLocks noGrp="1"/>
           </p:cNvSpPr>
@@ -5283,7 +5272,7 @@
           <a:p>
             <a:r>
               <a:rPr lang="en-US" altLang="zh-TW" dirty="0"/>
-              <a:t>Dataset</a:t>
+              <a:t>Preprocessing</a:t>
             </a:r>
             <a:endParaRPr lang="zh-TW" altLang="en-US" dirty="0"/>
           </a:p>
@@ -5291,13 +5280,7 @@
       </p:sp>
       <p:sp>
         <p:nvSpPr>
-          <p:cNvPr id="3" name="內容版面配置區 2">
-            <a:extLst>
-              <a:ext uri="{FF2B5EF4-FFF2-40B4-BE49-F238E27FC236}">
-                <a16:creationId xmlns:a16="http://schemas.microsoft.com/office/drawing/2014/main" id="{9C8C28B4-1D35-42EE-973F-8CE72DE79977}"/>
-              </a:ext>
-            </a:extLst>
-          </p:cNvPr>
+          <p:cNvPr id="3" name="內容版面配置區 2"/>
           <p:cNvSpPr>
             <a:spLocks noGrp="1"/>
           </p:cNvSpPr>
@@ -5310,27 +5293,156 @@
           <a:bodyPr/>
           <a:lstStyle/>
           <a:p>
+            <a:pPr>
+              <a:buFont typeface="Wingdings" panose="05000000000000000000" pitchFamily="2" charset="2"/>
+              <a:buChar char="l"/>
+            </a:pPr>
+            <a:r>
+              <a:rPr lang="zh-TW" altLang="en-US" dirty="0"/>
+              <a:t>補齊缺失資料 </a:t>
+            </a:r>
             <a:r>
               <a:rPr lang="en-US" altLang="zh-TW" dirty="0"/>
-              <a:t>Train : 500000 with</a:t>
-            </a:r>
-            <a:r>
-              <a:rPr lang="zh-TW" altLang="en-US" dirty="0"/>
+              <a:t>(</a:t>
+            </a:r>
+            <a:r>
+              <a:rPr lang="en-US" altLang="zh-TW" dirty="0">
+                <a:solidFill>
+                  <a:schemeClr val="tx1"/>
+                </a:solidFill>
+              </a:rPr>
+              <a:t>AVG or </a:t>
+            </a:r>
+            <a:r>
+              <a:rPr lang="zh-TW" altLang="en-US" strike="sngStrike" dirty="0">
+                <a:solidFill>
+                  <a:schemeClr val="tx1"/>
+                </a:solidFill>
+              </a:rPr>
+              <a:t>眾數</a:t>
+            </a:r>
+            <a:r>
+              <a:rPr lang="en-US" altLang="zh-TW" dirty="0"/>
+              <a:t>)</a:t>
+            </a:r>
+          </a:p>
+          <a:p>
+            <a:pPr>
+              <a:buFont typeface="Wingdings" panose="05000000000000000000" pitchFamily="2" charset="2"/>
+              <a:buChar char="l"/>
+            </a:pPr>
+            <a:r>
+              <a:rPr lang="zh-TW" altLang="en-US" strike="sngStrike" dirty="0">
+                <a:solidFill>
+                  <a:schemeClr val="tx1"/>
+                </a:solidFill>
+              </a:rPr>
+              <a:t>加入天氣資訊 </a:t>
+            </a:r>
+            <a:endParaRPr lang="en-US" altLang="zh-TW" strike="sngStrike" dirty="0">
+              <a:solidFill>
+                <a:schemeClr val="tx1"/>
+              </a:solidFill>
+            </a:endParaRPr>
+          </a:p>
+          <a:p>
+            <a:pPr>
+              <a:buFont typeface="Wingdings" panose="05000000000000000000" pitchFamily="2" charset="2"/>
+              <a:buChar char="l"/>
+            </a:pPr>
+            <a:r>
+              <a:rPr lang="zh-TW" altLang="en-US" dirty="0">
+                <a:solidFill>
+                  <a:schemeClr val="tx1"/>
+                </a:solidFill>
+              </a:rPr>
+              <a:t>加入平日與假日資訊</a:t>
+            </a:r>
+            <a:endParaRPr lang="en-US" altLang="zh-TW" dirty="0">
+              <a:solidFill>
+                <a:schemeClr val="tx1"/>
+              </a:solidFill>
+            </a:endParaRPr>
+          </a:p>
+          <a:p>
+            <a:pPr>
+              <a:buFont typeface="Wingdings" panose="05000000000000000000" pitchFamily="2" charset="2"/>
+              <a:buChar char="l"/>
+            </a:pPr>
+            <a:r>
+              <a:rPr lang="en-US" altLang="zh-TW" dirty="0">
+                <a:solidFill>
+                  <a:schemeClr val="tx1"/>
+                </a:solidFill>
+              </a:rPr>
+              <a:t>OD</a:t>
+            </a:r>
+            <a:r>
+              <a:rPr lang="zh-TW" altLang="en-US" dirty="0">
+                <a:solidFill>
+                  <a:schemeClr val="tx1"/>
+                </a:solidFill>
+              </a:rPr>
               <a:t> </a:t>
             </a:r>
             <a:r>
-              <a:rPr lang="en-US" altLang="zh-TW" dirty="0"/>
-              <a:t>133 features</a:t>
-            </a:r>
-          </a:p>
-          <a:p>
-            <a:r>
-              <a:rPr lang="en-US" altLang="zh-TW" dirty="0"/>
-              <a:t>Test : 94358</a:t>
-            </a:r>
-            <a:endParaRPr lang="zh-TW" altLang="en-US" dirty="0"/>
-          </a:p>
-          <a:p>
+              <a:rPr lang="en-US" altLang="zh-TW" dirty="0">
+                <a:solidFill>
+                  <a:schemeClr val="tx1"/>
+                </a:solidFill>
+              </a:rPr>
+              <a:t>PAIR </a:t>
+            </a:r>
+            <a:r>
+              <a:rPr lang="zh-TW" altLang="en-US" dirty="0">
+                <a:solidFill>
+                  <a:schemeClr val="tx1"/>
+                </a:solidFill>
+              </a:rPr>
+              <a:t>轉換成公尺直線距離 加入</a:t>
+            </a:r>
+            <a:r>
+              <a:rPr lang="en-US" altLang="zh-TW" dirty="0">
+                <a:solidFill>
+                  <a:schemeClr val="tx1"/>
+                </a:solidFill>
+              </a:rPr>
+              <a:t>feature</a:t>
+            </a:r>
+          </a:p>
+          <a:p>
+            <a:pPr>
+              <a:buFont typeface="Wingdings" panose="05000000000000000000" pitchFamily="2" charset="2"/>
+              <a:buChar char="l"/>
+            </a:pPr>
+            <a:endParaRPr lang="en-US" altLang="zh-TW" dirty="0">
+              <a:solidFill>
+                <a:srgbClr val="FF0000"/>
+              </a:solidFill>
+            </a:endParaRPr>
+          </a:p>
+          <a:p>
+            <a:pPr marL="0" indent="0">
+              <a:buNone/>
+            </a:pPr>
+            <a:endParaRPr lang="en-US" altLang="zh-TW" strike="sngStrike" dirty="0">
+              <a:solidFill>
+                <a:srgbClr val="FF0000"/>
+              </a:solidFill>
+            </a:endParaRPr>
+          </a:p>
+          <a:p>
+            <a:pPr>
+              <a:buFont typeface="Wingdings" panose="05000000000000000000" pitchFamily="2" charset="2"/>
+              <a:buChar char="l"/>
+            </a:pPr>
+            <a:endParaRPr lang="en-US" altLang="zh-TW" dirty="0"/>
+          </a:p>
+          <a:p>
+            <a:pPr>
+              <a:buFont typeface="Wingdings" panose="05000000000000000000" pitchFamily="2" charset="2"/>
+              <a:buChar char="l"/>
+            </a:pPr>
             <a:endParaRPr lang="zh-TW" altLang="en-US" dirty="0"/>
           </a:p>
         </p:txBody>
@@ -5338,7 +5450,7 @@
     </p:spTree>
     <p:extLst>
       <p:ext uri="{BB962C8B-B14F-4D97-AF65-F5344CB8AC3E}">
-        <p14:creationId xmlns:p14="http://schemas.microsoft.com/office/powerpoint/2010/main" val="1946987840"/>
+        <p14:creationId xmlns:p14="http://schemas.microsoft.com/office/powerpoint/2010/main" val="1996591051"/>
       </p:ext>
     </p:extLst>
   </p:cSld>
@@ -5370,7 +5482,7 @@
           <p:cNvPr id="2" name="標題 1">
             <a:extLst>
               <a:ext uri="{FF2B5EF4-FFF2-40B4-BE49-F238E27FC236}">
-                <a16:creationId xmlns:a16="http://schemas.microsoft.com/office/drawing/2014/main" id="{0ADDA873-EC3D-407A-A529-F9FD67720469}"/>
+                <a16:creationId xmlns:a16="http://schemas.microsoft.com/office/drawing/2014/main" id="{16779FAE-A31E-4C14-B8D4-C0B942FBD1A4}"/>
               </a:ext>
             </a:extLst>
           </p:cNvPr>
@@ -5388,7 +5500,7 @@
           <a:p>
             <a:r>
               <a:rPr lang="en-US" altLang="zh-TW" dirty="0"/>
-              <a:t>MLP-Classifier</a:t>
+              <a:t>Dataset</a:t>
             </a:r>
             <a:endParaRPr lang="zh-TW" altLang="en-US" dirty="0"/>
           </a:p>
@@ -5399,7 +5511,7 @@
           <p:cNvPr id="3" name="內容版面配置區 2">
             <a:extLst>
               <a:ext uri="{FF2B5EF4-FFF2-40B4-BE49-F238E27FC236}">
-                <a16:creationId xmlns:a16="http://schemas.microsoft.com/office/drawing/2014/main" id="{6F7AEA81-5CB2-4FBF-967F-F4F0E45686C6}"/>
+                <a16:creationId xmlns:a16="http://schemas.microsoft.com/office/drawing/2014/main" id="{9C8C28B4-1D35-42EE-973F-8CE72DE79977}"/>
               </a:ext>
             </a:extLst>
           </p:cNvPr>
@@ -5412,59 +5524,58 @@
         </p:nvSpPr>
         <p:spPr/>
         <p:txBody>
-          <a:bodyPr>
-            <a:normAutofit/>
-          </a:bodyPr>
-          <a:lstStyle/>
-          <a:p>
-            <a:r>
-              <a:rPr lang="zh-TW" altLang="en-US" sz="2400" dirty="0"/>
-              <a:t>將所有</a:t>
-            </a:r>
-            <a:r>
-              <a:rPr lang="en-US" altLang="zh-TW" sz="2400" dirty="0"/>
-              <a:t>feature</a:t>
-            </a:r>
-            <a:r>
-              <a:rPr lang="zh-TW" altLang="en-US" sz="2400" dirty="0"/>
-              <a:t>經過多層</a:t>
-            </a:r>
-            <a:r>
-              <a:rPr lang="en-US" altLang="zh-TW" sz="2400" dirty="0"/>
-              <a:t>dense</a:t>
-            </a:r>
-            <a:r>
-              <a:rPr lang="zh-TW" altLang="en-US" sz="2400" dirty="0"/>
+          <a:bodyPr/>
+          <a:lstStyle/>
+          <a:p>
+            <a:r>
+              <a:rPr lang="en-US" altLang="zh-TW" dirty="0"/>
+              <a:t>Features</a:t>
+            </a:r>
+            <a:r>
+              <a:rPr lang="zh-TW" altLang="en-US" dirty="0"/>
               <a:t> </a:t>
             </a:r>
             <a:r>
-              <a:rPr lang="en-US" altLang="zh-TW" sz="2400" dirty="0"/>
-              <a:t>layer</a:t>
-            </a:r>
-            <a:r>
-              <a:rPr lang="zh-TW" altLang="en-US" sz="2400" dirty="0"/>
-              <a:t>後輸出結果</a:t>
-            </a:r>
-            <a:endParaRPr lang="en-US" altLang="zh-TW" sz="2400" dirty="0"/>
-          </a:p>
-          <a:p>
-            <a:endParaRPr lang="en-US" altLang="zh-TW" sz="2400" dirty="0"/>
-          </a:p>
-          <a:p>
-            <a:r>
-              <a:rPr lang="en-US" altLang="zh-TW" sz="2400" dirty="0"/>
-              <a:t>Best score : 0.59355229</a:t>
-            </a:r>
-          </a:p>
-          <a:p>
-            <a:endParaRPr lang="zh-TW" altLang="en-US" sz="2400" dirty="0"/>
+              <a:rPr lang="en-US" altLang="zh-TW" dirty="0"/>
+              <a:t>:</a:t>
+            </a:r>
+            <a:r>
+              <a:rPr lang="zh-TW" altLang="en-US" dirty="0"/>
+              <a:t> </a:t>
+            </a:r>
+            <a:r>
+              <a:rPr lang="en-US" altLang="zh-TW" dirty="0"/>
+              <a:t>133</a:t>
+            </a:r>
+          </a:p>
+          <a:p>
+            <a:r>
+              <a:rPr lang="en-US" altLang="zh-TW" dirty="0"/>
+              <a:t>Train : 436612</a:t>
+            </a:r>
+          </a:p>
+          <a:p>
+            <a:r>
+              <a:rPr lang="en-US" altLang="zh-TW" dirty="0"/>
+              <a:t>Dev : 63388</a:t>
+            </a:r>
+          </a:p>
+          <a:p>
+            <a:r>
+              <a:rPr lang="en-US" altLang="zh-TW" dirty="0"/>
+              <a:t>Test : 94358</a:t>
+            </a:r>
+            <a:endParaRPr lang="zh-TW" altLang="en-US" dirty="0"/>
+          </a:p>
+          <a:p>
+            <a:endParaRPr lang="zh-TW" altLang="en-US" dirty="0"/>
           </a:p>
         </p:txBody>
       </p:sp>
     </p:spTree>
     <p:extLst>
       <p:ext uri="{BB962C8B-B14F-4D97-AF65-F5344CB8AC3E}">
-        <p14:creationId xmlns:p14="http://schemas.microsoft.com/office/powerpoint/2010/main" val="2185226718"/>
+        <p14:creationId xmlns:p14="http://schemas.microsoft.com/office/powerpoint/2010/main" val="1946987840"/>
       </p:ext>
     </p:extLst>
   </p:cSld>
@@ -5496,7 +5607,7 @@
           <p:cNvPr id="2" name="標題 1">
             <a:extLst>
               <a:ext uri="{FF2B5EF4-FFF2-40B4-BE49-F238E27FC236}">
-                <a16:creationId xmlns:a16="http://schemas.microsoft.com/office/drawing/2014/main" id="{42AAF5A0-D618-4613-837C-2AF1F7AF783B}"/>
+                <a16:creationId xmlns:a16="http://schemas.microsoft.com/office/drawing/2014/main" id="{0ADDA873-EC3D-407A-A529-F9FD67720469}"/>
               </a:ext>
             </a:extLst>
           </p:cNvPr>
@@ -5514,7 +5625,7 @@
           <a:p>
             <a:r>
               <a:rPr lang="en-US" altLang="zh-TW" dirty="0"/>
-              <a:t>CNN-Classifier</a:t>
+              <a:t>MLP-Classifier</a:t>
             </a:r>
             <a:endParaRPr lang="zh-TW" altLang="en-US" dirty="0"/>
           </a:p>
@@ -5525,7 +5636,7 @@
           <p:cNvPr id="3" name="內容版面配置區 2">
             <a:extLst>
               <a:ext uri="{FF2B5EF4-FFF2-40B4-BE49-F238E27FC236}">
-                <a16:creationId xmlns:a16="http://schemas.microsoft.com/office/drawing/2014/main" id="{81CEAF19-83CC-4225-872D-D520BDA4D78B}"/>
+                <a16:creationId xmlns:a16="http://schemas.microsoft.com/office/drawing/2014/main" id="{6F7AEA81-5CB2-4FBF-967F-F4F0E45686C6}"/>
               </a:ext>
             </a:extLst>
           </p:cNvPr>
@@ -5538,16 +5649,26 @@
         </p:nvSpPr>
         <p:spPr/>
         <p:txBody>
-          <a:bodyPr/>
+          <a:bodyPr>
+            <a:normAutofit/>
+          </a:bodyPr>
           <a:lstStyle/>
           <a:p>
             <a:r>
               <a:rPr lang="zh-TW" altLang="en-US" sz="2400" dirty="0"/>
-              <a:t>將</a:t>
+              <a:t>將所有</a:t>
             </a:r>
             <a:r>
               <a:rPr lang="en-US" altLang="zh-TW" sz="2400" dirty="0"/>
-              <a:t>transport</a:t>
+              <a:t>feature</a:t>
+            </a:r>
+            <a:r>
+              <a:rPr lang="zh-TW" altLang="en-US" sz="2400" dirty="0"/>
+              <a:t>經過多層</a:t>
+            </a:r>
+            <a:r>
+              <a:rPr lang="en-US" altLang="zh-TW" sz="2400" dirty="0"/>
+              <a:t>dense</a:t>
             </a:r>
             <a:r>
               <a:rPr lang="zh-TW" altLang="en-US" sz="2400" dirty="0"/>
@@ -5555,94 +5676,32 @@
             </a:r>
             <a:r>
               <a:rPr lang="en-US" altLang="zh-TW" sz="2400" dirty="0"/>
-              <a:t>mode</a:t>
+              <a:t>layer</a:t>
             </a:r>
             <a:r>
               <a:rPr lang="zh-TW" altLang="en-US" sz="2400" dirty="0"/>
-              <a:t> 使用同一個</a:t>
-            </a:r>
+              <a:t>後輸出結果</a:t>
+            </a:r>
+            <a:endParaRPr lang="en-US" altLang="zh-TW" sz="2400" dirty="0"/>
+          </a:p>
+          <a:p>
+            <a:endParaRPr lang="en-US" altLang="zh-TW" sz="2400" dirty="0"/>
+          </a:p>
+          <a:p>
             <a:r>
               <a:rPr lang="en-US" altLang="zh-TW" sz="2400" dirty="0"/>
-              <a:t>filter</a:t>
-            </a:r>
-            <a:r>
-              <a:rPr lang="zh-TW" altLang="en-US" sz="2400" dirty="0"/>
-              <a:t>掃描產生</a:t>
-            </a:r>
-            <a:r>
-              <a:rPr lang="en-US" altLang="zh-TW" sz="2400" dirty="0" err="1"/>
-              <a:t>cnn</a:t>
-            </a:r>
-            <a:r>
-              <a:rPr lang="zh-TW" altLang="en-US" sz="2400" dirty="0"/>
-              <a:t> </a:t>
-            </a:r>
-            <a:r>
-              <a:rPr lang="en-US" altLang="zh-TW" sz="2400" dirty="0"/>
-              <a:t>feature</a:t>
-            </a:r>
-          </a:p>
-          <a:p>
-            <a:r>
-              <a:rPr lang="en-US" altLang="zh-TW" sz="2400" dirty="0"/>
-              <a:t>CNN</a:t>
-            </a:r>
-            <a:r>
-              <a:rPr lang="zh-TW" altLang="en-US" sz="2400" dirty="0"/>
-              <a:t> </a:t>
-            </a:r>
-            <a:r>
-              <a:rPr lang="en-US" altLang="zh-TW" sz="2400" dirty="0"/>
-              <a:t>feature</a:t>
-            </a:r>
-            <a:r>
-              <a:rPr lang="zh-TW" altLang="en-US" sz="2400" dirty="0"/>
-              <a:t>與其他</a:t>
-            </a:r>
-            <a:r>
-              <a:rPr lang="en-US" altLang="zh-TW" sz="2400" dirty="0"/>
-              <a:t>feature</a:t>
-            </a:r>
-            <a:r>
-              <a:rPr lang="zh-TW" altLang="en-US" sz="2400" dirty="0"/>
-              <a:t>合併經過</a:t>
-            </a:r>
-            <a:r>
-              <a:rPr lang="en-US" altLang="zh-TW" sz="2400" dirty="0"/>
-              <a:t>dense</a:t>
-            </a:r>
-            <a:r>
-              <a:rPr lang="zh-TW" altLang="en-US" sz="2400" dirty="0"/>
-              <a:t> </a:t>
-            </a:r>
-            <a:r>
-              <a:rPr lang="en-US" altLang="zh-TW" sz="2400" dirty="0"/>
-              <a:t>layer</a:t>
-            </a:r>
-            <a:r>
-              <a:rPr lang="zh-TW" altLang="en-US" sz="2400" dirty="0"/>
-              <a:t> 後輸出</a:t>
-            </a:r>
-            <a:endParaRPr lang="en-US" altLang="zh-TW" sz="2400" dirty="0"/>
-          </a:p>
-          <a:p>
-            <a:endParaRPr lang="en-US" altLang="zh-TW" sz="2400" dirty="0"/>
-          </a:p>
-          <a:p>
-            <a:r>
-              <a:rPr lang="en-US" altLang="zh-TW" sz="2400" dirty="0"/>
-              <a:t>Best score : 0.263527</a:t>
-            </a:r>
-          </a:p>
-          <a:p>
-            <a:endParaRPr lang="zh-TW" altLang="en-US" dirty="0"/>
+              <a:t>Best score : 0.59355229</a:t>
+            </a:r>
+          </a:p>
+          <a:p>
+            <a:endParaRPr lang="zh-TW" altLang="en-US" sz="2400" dirty="0"/>
           </a:p>
         </p:txBody>
       </p:sp>
     </p:spTree>
     <p:extLst>
       <p:ext uri="{BB962C8B-B14F-4D97-AF65-F5344CB8AC3E}">
-        <p14:creationId xmlns:p14="http://schemas.microsoft.com/office/powerpoint/2010/main" val="1888285915"/>
+        <p14:creationId xmlns:p14="http://schemas.microsoft.com/office/powerpoint/2010/main" val="2185226718"/>
       </p:ext>
     </p:extLst>
   </p:cSld>
@@ -5671,6 +5730,359 @@
       </p:grpSpPr>
       <p:sp>
         <p:nvSpPr>
+          <p:cNvPr id="2" name="標題 1">
+            <a:extLst>
+              <a:ext uri="{FF2B5EF4-FFF2-40B4-BE49-F238E27FC236}">
+                <a16:creationId xmlns:a16="http://schemas.microsoft.com/office/drawing/2014/main" id="{42AAF5A0-D618-4613-837C-2AF1F7AF783B}"/>
+              </a:ext>
+            </a:extLst>
+          </p:cNvPr>
+          <p:cNvSpPr>
+            <a:spLocks noGrp="1"/>
+          </p:cNvSpPr>
+          <p:nvPr>
+            <p:ph type="title"/>
+          </p:nvPr>
+        </p:nvSpPr>
+        <p:spPr/>
+        <p:txBody>
+          <a:bodyPr/>
+          <a:lstStyle/>
+          <a:p>
+            <a:r>
+              <a:rPr lang="en-US" altLang="zh-TW" dirty="0"/>
+              <a:t>CNN-Classifier</a:t>
+            </a:r>
+            <a:endParaRPr lang="zh-TW" altLang="en-US" dirty="0"/>
+          </a:p>
+        </p:txBody>
+      </p:sp>
+      <p:sp>
+        <p:nvSpPr>
+          <p:cNvPr id="3" name="內容版面配置區 2">
+            <a:extLst>
+              <a:ext uri="{FF2B5EF4-FFF2-40B4-BE49-F238E27FC236}">
+                <a16:creationId xmlns:a16="http://schemas.microsoft.com/office/drawing/2014/main" id="{81CEAF19-83CC-4225-872D-D520BDA4D78B}"/>
+              </a:ext>
+            </a:extLst>
+          </p:cNvPr>
+          <p:cNvSpPr>
+            <a:spLocks noGrp="1"/>
+          </p:cNvSpPr>
+          <p:nvPr>
+            <p:ph idx="1"/>
+          </p:nvPr>
+        </p:nvSpPr>
+        <p:spPr/>
+        <p:txBody>
+          <a:bodyPr/>
+          <a:lstStyle/>
+          <a:p>
+            <a:r>
+              <a:rPr lang="zh-TW" altLang="en-US" sz="2400" dirty="0"/>
+              <a:t>將</a:t>
+            </a:r>
+            <a:r>
+              <a:rPr lang="en-US" altLang="zh-TW" sz="2400" dirty="0"/>
+              <a:t>transport</a:t>
+            </a:r>
+            <a:r>
+              <a:rPr lang="zh-TW" altLang="en-US" sz="2400" dirty="0"/>
+              <a:t> </a:t>
+            </a:r>
+            <a:r>
+              <a:rPr lang="en-US" altLang="zh-TW" sz="2400" dirty="0"/>
+              <a:t>mode</a:t>
+            </a:r>
+            <a:r>
+              <a:rPr lang="zh-TW" altLang="en-US" sz="2400" dirty="0"/>
+              <a:t> </a:t>
+            </a:r>
+            <a:r>
+              <a:rPr lang="en-US" altLang="zh-TW" sz="2400" dirty="0"/>
+              <a:t>feature</a:t>
+            </a:r>
+            <a:r>
+              <a:rPr lang="zh-TW" altLang="en-US" sz="2400" dirty="0"/>
+              <a:t> 使用同一個</a:t>
+            </a:r>
+            <a:r>
+              <a:rPr lang="en-US" altLang="zh-TW" sz="2400" dirty="0"/>
+              <a:t>filter</a:t>
+            </a:r>
+            <a:r>
+              <a:rPr lang="zh-TW" altLang="en-US" sz="2400" dirty="0"/>
+              <a:t>掃過產生</a:t>
+            </a:r>
+            <a:r>
+              <a:rPr lang="en-US" altLang="zh-TW" sz="2400" dirty="0"/>
+              <a:t>CNN</a:t>
+            </a:r>
+            <a:r>
+              <a:rPr lang="zh-TW" altLang="en-US" sz="2400" dirty="0"/>
+              <a:t> </a:t>
+            </a:r>
+            <a:r>
+              <a:rPr lang="en-US" altLang="zh-TW" sz="2400" dirty="0"/>
+              <a:t>feature</a:t>
+            </a:r>
+          </a:p>
+          <a:p>
+            <a:r>
+              <a:rPr lang="en-US" altLang="zh-TW" sz="2400" dirty="0"/>
+              <a:t>CNN</a:t>
+            </a:r>
+            <a:r>
+              <a:rPr lang="zh-TW" altLang="en-US" sz="2400" dirty="0"/>
+              <a:t> </a:t>
+            </a:r>
+            <a:r>
+              <a:rPr lang="en-US" altLang="zh-TW" sz="2400" dirty="0"/>
+              <a:t>feature</a:t>
+            </a:r>
+            <a:r>
+              <a:rPr lang="zh-TW" altLang="en-US" sz="2400" dirty="0"/>
+              <a:t>與其他</a:t>
+            </a:r>
+            <a:r>
+              <a:rPr lang="en-US" altLang="zh-TW" sz="2400" dirty="0"/>
+              <a:t>feature</a:t>
+            </a:r>
+            <a:r>
+              <a:rPr lang="zh-TW" altLang="en-US" sz="2400" dirty="0"/>
+              <a:t>合併經過</a:t>
+            </a:r>
+            <a:r>
+              <a:rPr lang="en-US" altLang="zh-TW" sz="2400" dirty="0"/>
+              <a:t>dense</a:t>
+            </a:r>
+            <a:r>
+              <a:rPr lang="zh-TW" altLang="en-US" sz="2400" dirty="0"/>
+              <a:t> </a:t>
+            </a:r>
+            <a:r>
+              <a:rPr lang="en-US" altLang="zh-TW" sz="2400" dirty="0"/>
+              <a:t>layer</a:t>
+            </a:r>
+            <a:r>
+              <a:rPr lang="zh-TW" altLang="en-US" sz="2400" dirty="0"/>
+              <a:t> 後輸出結果</a:t>
+            </a:r>
+            <a:endParaRPr lang="en-US" altLang="zh-TW" sz="2400" dirty="0"/>
+          </a:p>
+          <a:p>
+            <a:endParaRPr lang="en-US" altLang="zh-TW" sz="2400" dirty="0"/>
+          </a:p>
+          <a:p>
+            <a:r>
+              <a:rPr lang="en-US" altLang="zh-TW" sz="2400" dirty="0"/>
+              <a:t>Best score : 0.36352774</a:t>
+            </a:r>
+          </a:p>
+          <a:p>
+            <a:endParaRPr lang="zh-TW" altLang="en-US" dirty="0"/>
+          </a:p>
+        </p:txBody>
+      </p:sp>
+    </p:spTree>
+    <p:extLst>
+      <p:ext uri="{BB962C8B-B14F-4D97-AF65-F5344CB8AC3E}">
+        <p14:creationId xmlns:p14="http://schemas.microsoft.com/office/powerpoint/2010/main" val="1888285915"/>
+      </p:ext>
+    </p:extLst>
+  </p:cSld>
+  <p:clrMapOvr>
+    <a:masterClrMapping/>
+  </p:clrMapOvr>
+</p:sld>
+</file>
+
+<file path=ppt/slides/slide8.xml><?xml version="1.0" encoding="utf-8"?>
+<p:sld xmlns:a="http://schemas.openxmlformats.org/drawingml/2006/main" xmlns:r="http://schemas.openxmlformats.org/officeDocument/2006/relationships" xmlns:p="http://schemas.openxmlformats.org/presentationml/2006/main">
+  <p:cSld>
+    <p:spTree>
+      <p:nvGrpSpPr>
+        <p:cNvPr id="1" name=""/>
+        <p:cNvGrpSpPr/>
+        <p:nvPr/>
+      </p:nvGrpSpPr>
+      <p:grpSpPr>
+        <a:xfrm>
+          <a:off x="0" y="0"/>
+          <a:ext cx="0" cy="0"/>
+          <a:chOff x="0" y="0"/>
+          <a:chExt cx="0" cy="0"/>
+        </a:xfrm>
+      </p:grpSpPr>
+      <p:sp>
+        <p:nvSpPr>
+          <p:cNvPr id="2" name="標題 1"/>
+          <p:cNvSpPr>
+            <a:spLocks noGrp="1"/>
+          </p:cNvSpPr>
+          <p:nvPr>
+            <p:ph type="title"/>
+          </p:nvPr>
+        </p:nvSpPr>
+        <p:spPr/>
+        <p:txBody>
+          <a:bodyPr/>
+          <a:lstStyle/>
+          <a:p>
+            <a:r>
+              <a:rPr lang="en-US" altLang="zh-TW" dirty="0" err="1"/>
+              <a:t>biRNN</a:t>
+            </a:r>
+            <a:r>
+              <a:rPr lang="en-US" altLang="zh-TW" dirty="0"/>
+              <a:t>-Classifier</a:t>
+            </a:r>
+            <a:endParaRPr lang="zh-TW" altLang="en-US" dirty="0"/>
+          </a:p>
+        </p:txBody>
+      </p:sp>
+      <p:sp>
+        <p:nvSpPr>
+          <p:cNvPr id="3" name="內容版面配置區 2"/>
+          <p:cNvSpPr>
+            <a:spLocks noGrp="1"/>
+          </p:cNvSpPr>
+          <p:nvPr>
+            <p:ph idx="1"/>
+          </p:nvPr>
+        </p:nvSpPr>
+        <p:spPr/>
+        <p:txBody>
+          <a:bodyPr>
+            <a:normAutofit/>
+          </a:bodyPr>
+          <a:lstStyle/>
+          <a:p>
+            <a:r>
+              <a:rPr lang="zh-TW" altLang="en-US" sz="2400" dirty="0"/>
+              <a:t>將 </a:t>
+            </a:r>
+            <a:r>
+              <a:rPr lang="en-US" altLang="zh-TW" sz="2400" dirty="0"/>
+              <a:t>transport mode feature </a:t>
+            </a:r>
+            <a:r>
+              <a:rPr lang="zh-TW" altLang="en-US" sz="2400" dirty="0"/>
+              <a:t>經過一層</a:t>
+            </a:r>
+            <a:r>
+              <a:rPr lang="en-US" altLang="zh-TW" sz="2400" dirty="0"/>
+              <a:t>dense</a:t>
+            </a:r>
+            <a:r>
+              <a:rPr lang="zh-TW" altLang="en-US" sz="2400" dirty="0"/>
+              <a:t>轉換後透過</a:t>
+            </a:r>
+            <a:r>
+              <a:rPr lang="en-US" altLang="zh-TW" sz="2400" dirty="0" err="1"/>
+              <a:t>biRNN</a:t>
+            </a:r>
+            <a:r>
+              <a:rPr lang="zh-TW" altLang="en-US" sz="2400" dirty="0"/>
+              <a:t>掃過每個選項，</a:t>
+            </a:r>
+            <a:r>
+              <a:rPr lang="en-US" altLang="zh-TW" sz="2400" dirty="0" err="1"/>
+              <a:t>biRNN</a:t>
+            </a:r>
+            <a:r>
+              <a:rPr lang="zh-TW" altLang="en-US" sz="2400" dirty="0"/>
+              <a:t> </a:t>
+            </a:r>
+            <a:r>
+              <a:rPr lang="en-US" altLang="zh-TW" sz="2400" dirty="0"/>
+              <a:t>output</a:t>
+            </a:r>
+            <a:r>
+              <a:rPr lang="zh-TW" altLang="en-US" sz="2400" dirty="0"/>
+              <a:t>與其他</a:t>
+            </a:r>
+            <a:r>
+              <a:rPr lang="en-US" altLang="zh-TW" sz="2400" dirty="0"/>
+              <a:t>feature</a:t>
+            </a:r>
+            <a:r>
+              <a:rPr lang="zh-TW" altLang="en-US" sz="2400" dirty="0"/>
+              <a:t>合併後經過</a:t>
+            </a:r>
+            <a:r>
+              <a:rPr lang="en-US" altLang="zh-TW" sz="2400" dirty="0"/>
+              <a:t>dense</a:t>
+            </a:r>
+            <a:r>
+              <a:rPr lang="zh-TW" altLang="en-US" sz="2400" dirty="0"/>
+              <a:t> </a:t>
+            </a:r>
+            <a:r>
+              <a:rPr lang="en-US" altLang="zh-TW" sz="2400" dirty="0"/>
+              <a:t>layer</a:t>
+            </a:r>
+            <a:r>
+              <a:rPr lang="zh-TW" altLang="en-US" sz="2400" dirty="0"/>
+              <a:t>輸出結果</a:t>
+            </a:r>
+            <a:endParaRPr lang="en-US" altLang="zh-TW" sz="2400" dirty="0"/>
+          </a:p>
+          <a:p>
+            <a:endParaRPr lang="en-US" altLang="zh-TW" sz="2400" dirty="0"/>
+          </a:p>
+          <a:p>
+            <a:pPr marL="0" indent="0">
+              <a:buNone/>
+            </a:pPr>
+            <a:r>
+              <a:rPr lang="en-US" altLang="zh-TW" sz="2400" dirty="0"/>
+              <a:t>  Best score : 0.31682247</a:t>
+            </a:r>
+          </a:p>
+          <a:p>
+            <a:endParaRPr lang="en-US" altLang="zh-TW" sz="2400" dirty="0"/>
+          </a:p>
+          <a:p>
+            <a:endParaRPr lang="en-US" altLang="zh-TW" sz="2400" dirty="0"/>
+          </a:p>
+          <a:p>
+            <a:endParaRPr lang="zh-TW" altLang="en-US" sz="2400" dirty="0"/>
+          </a:p>
+        </p:txBody>
+      </p:sp>
+    </p:spTree>
+    <p:extLst>
+      <p:ext uri="{BB962C8B-B14F-4D97-AF65-F5344CB8AC3E}">
+        <p14:creationId xmlns:p14="http://schemas.microsoft.com/office/powerpoint/2010/main" val="1765603294"/>
+      </p:ext>
+    </p:extLst>
+  </p:cSld>
+  <p:clrMapOvr>
+    <a:masterClrMapping/>
+  </p:clrMapOvr>
+</p:sld>
+</file>
+
+<file path=ppt/slides/slide9.xml><?xml version="1.0" encoding="utf-8"?>
+<p:sld xmlns:a="http://schemas.openxmlformats.org/drawingml/2006/main" xmlns:r="http://schemas.openxmlformats.org/officeDocument/2006/relationships" xmlns:p="http://schemas.openxmlformats.org/presentationml/2006/main">
+  <p:cSld>
+    <p:spTree>
+      <p:nvGrpSpPr>
+        <p:cNvPr id="1" name=""/>
+        <p:cNvGrpSpPr/>
+        <p:nvPr/>
+      </p:nvGrpSpPr>
+      <p:grpSpPr>
+        <a:xfrm>
+          <a:off x="0" y="0"/>
+          <a:ext cx="0" cy="0"/>
+          <a:chOff x="0" y="0"/>
+          <a:chExt cx="0" cy="0"/>
+        </a:xfrm>
+      </p:grpSpPr>
+      <p:sp>
+        <p:nvSpPr>
           <p:cNvPr id="2" name="標題 1"/>
           <p:cNvSpPr>
             <a:spLocks noGrp="1"/>
@@ -5719,7 +6131,7 @@
                   <a:srgbClr val="FF0000"/>
                 </a:solidFill>
               </a:rPr>
-              <a:t>0.58355229</a:t>
+              <a:t>0.59355229</a:t>
             </a:r>
           </a:p>
           <a:p>
@@ -5733,7 +6145,33 @@
                   <a:srgbClr val="FF0000"/>
                 </a:solidFill>
               </a:rPr>
-              <a:t>0.2635277</a:t>
+              <a:t>0.36352774</a:t>
+            </a:r>
+          </a:p>
+          <a:p>
+            <a:r>
+              <a:rPr lang="en-US" altLang="zh-TW" sz="2400" dirty="0"/>
+              <a:t>RNN</a:t>
+            </a:r>
+            <a:r>
+              <a:rPr lang="zh-TW" altLang="en-US" sz="2400" dirty="0"/>
+              <a:t> </a:t>
+            </a:r>
+            <a:r>
+              <a:rPr lang="en-US" altLang="zh-TW" sz="2400" dirty="0"/>
+              <a:t>:</a:t>
+            </a:r>
+            <a:r>
+              <a:rPr lang="zh-TW" altLang="en-US" sz="2400" dirty="0"/>
+              <a:t> </a:t>
+            </a:r>
+            <a:r>
+              <a:rPr lang="en-US" altLang="zh-TW" sz="2400" dirty="0">
+                <a:solidFill>
+                  <a:srgbClr val="FF0000"/>
+                </a:solidFill>
+              </a:rPr>
+              <a:t>0.31682247</a:t>
             </a:r>
           </a:p>
           <a:p>
@@ -5817,7 +6255,7 @@
         </p:nvSpPr>
         <p:spPr>
           <a:xfrm>
-            <a:off x="3942221" y="4547567"/>
+            <a:off x="3264704" y="4975742"/>
             <a:ext cx="763326" cy="349858"/>
           </a:xfrm>
           <a:prstGeom prst="downArrow">
@@ -5870,7 +6308,7 @@
         </p:blipFill>
         <p:spPr>
           <a:xfrm>
-            <a:off x="736472" y="5704334"/>
+            <a:off x="625476" y="5725170"/>
             <a:ext cx="4294927" cy="543494"/>
           </a:xfrm>
           <a:prstGeom prst="rect">
@@ -5878,6 +6316,52 @@
           </a:prstGeom>
         </p:spPr>
       </p:pic>
+      <p:sp>
+        <p:nvSpPr>
+          <p:cNvPr id="7" name="矩形 6"/>
+          <p:cNvSpPr/>
+          <p:nvPr/>
+        </p:nvSpPr>
+        <p:spPr>
+          <a:xfrm>
+            <a:off x="7192602" y="4540448"/>
+            <a:ext cx="1408176" cy="1728216"/>
+          </a:xfrm>
+          <a:prstGeom prst="rect">
+            <a:avLst/>
+          </a:prstGeom>
+          <a:solidFill>
+            <a:schemeClr val="bg1"/>
+          </a:solidFill>
+          <a:ln>
+            <a:noFill/>
+          </a:ln>
+        </p:spPr>
+        <p:style>
+          <a:lnRef idx="2">
+            <a:schemeClr val="accent1">
+              <a:shade val="50000"/>
+            </a:schemeClr>
+          </a:lnRef>
+          <a:fillRef idx="1">
+            <a:schemeClr val="accent1"/>
+          </a:fillRef>
+          <a:effectRef idx="0">
+            <a:schemeClr val="accent1"/>
+          </a:effectRef>
+          <a:fontRef idx="minor">
+            <a:schemeClr val="lt1"/>
+          </a:fontRef>
+        </p:style>
+        <p:txBody>
+          <a:bodyPr rtlCol="0" anchor="ctr"/>
+          <a:lstStyle/>
+          <a:p>
+            <a:pPr algn="ctr"/>
+            <a:endParaRPr lang="zh-TW" altLang="en-US"/>
+          </a:p>
+        </p:txBody>
+      </p:sp>
     </p:spTree>
     <p:extLst>
       <p:ext uri="{BB962C8B-B14F-4D97-AF65-F5344CB8AC3E}">
@@ -5891,363 +6375,59 @@
 </p:sld>
 </file>
 
-<file path=ppt/slides/slide8.xml><?xml version="1.0" encoding="utf-8"?>
-<p:sld xmlns:a="http://schemas.openxmlformats.org/drawingml/2006/main" xmlns:r="http://schemas.openxmlformats.org/officeDocument/2006/relationships" xmlns:p="http://schemas.openxmlformats.org/presentationml/2006/main">
-  <p:cSld>
-    <p:spTree>
-      <p:nvGrpSpPr>
-        <p:cNvPr id="1" name=""/>
-        <p:cNvGrpSpPr/>
-        <p:nvPr/>
-      </p:nvGrpSpPr>
-      <p:grpSpPr>
-        <a:xfrm>
-          <a:off x="0" y="0"/>
-          <a:ext cx="0" cy="0"/>
-          <a:chOff x="0" y="0"/>
-          <a:chExt cx="0" cy="0"/>
-        </a:xfrm>
-      </p:grpSpPr>
-      <p:sp>
-        <p:nvSpPr>
-          <p:cNvPr id="2" name="標題 1"/>
-          <p:cNvSpPr>
-            <a:spLocks noGrp="1"/>
-          </p:cNvSpPr>
-          <p:nvPr>
-            <p:ph type="title"/>
-          </p:nvPr>
-        </p:nvSpPr>
-        <p:spPr/>
-        <p:txBody>
-          <a:bodyPr/>
-          <a:lstStyle/>
-          <a:p>
-            <a:r>
-              <a:rPr lang="en-US" altLang="zh-TW" dirty="0"/>
-              <a:t>Difficulty</a:t>
-            </a:r>
-            <a:endParaRPr lang="zh-TW" altLang="en-US" dirty="0"/>
-          </a:p>
-        </p:txBody>
-      </p:sp>
-      <p:sp>
-        <p:nvSpPr>
-          <p:cNvPr id="3" name="內容版面配置區 2"/>
-          <p:cNvSpPr>
-            <a:spLocks noGrp="1"/>
-          </p:cNvSpPr>
-          <p:nvPr>
-            <p:ph idx="1"/>
-          </p:nvPr>
-        </p:nvSpPr>
-        <p:spPr/>
-        <p:txBody>
-          <a:bodyPr>
-            <a:normAutofit/>
-          </a:bodyPr>
-          <a:lstStyle/>
-          <a:p>
-            <a:r>
-              <a:rPr lang="zh-TW" altLang="en-US" sz="2400" dirty="0"/>
-              <a:t>使用</a:t>
-            </a:r>
-            <a:r>
-              <a:rPr lang="en-US" altLang="zh-TW" sz="2400" dirty="0"/>
-              <a:t>NN</a:t>
-            </a:r>
-            <a:r>
-              <a:rPr lang="zh-TW" altLang="en-US" sz="2400" dirty="0"/>
-              <a:t>的方法</a:t>
-            </a:r>
-            <a:endParaRPr lang="en-US" altLang="zh-TW" sz="2400" dirty="0"/>
-          </a:p>
-          <a:p>
-            <a:r>
-              <a:rPr lang="zh-TW" altLang="en-US" sz="2400" dirty="0"/>
-              <a:t>調整參數</a:t>
-            </a:r>
-            <a:r>
-              <a:rPr lang="en-US" altLang="zh-TW" sz="2400" dirty="0"/>
-              <a:t> </a:t>
-            </a:r>
-          </a:p>
-          <a:p>
-            <a:r>
-              <a:rPr lang="en-US" altLang="zh-TW" sz="2400" dirty="0"/>
-              <a:t>feature </a:t>
-            </a:r>
-            <a:r>
-              <a:rPr lang="zh-TW" altLang="en-US" sz="2400" dirty="0"/>
-              <a:t>處理</a:t>
-            </a:r>
-            <a:endParaRPr lang="en-US" altLang="zh-TW" sz="2400" dirty="0"/>
-          </a:p>
-        </p:txBody>
-      </p:sp>
-    </p:spTree>
-    <p:extLst>
-      <p:ext uri="{BB962C8B-B14F-4D97-AF65-F5344CB8AC3E}">
-        <p14:creationId xmlns:p14="http://schemas.microsoft.com/office/powerpoint/2010/main" val="912152073"/>
-      </p:ext>
-    </p:extLst>
-  </p:cSld>
-  <p:clrMapOvr>
-    <a:masterClrMapping/>
-  </p:clrMapOvr>
-</p:sld>
-</file>
-
-<file path=ppt/slides/slide9.xml><?xml version="1.0" encoding="utf-8"?>
-<p:sld xmlns:a="http://schemas.openxmlformats.org/drawingml/2006/main" xmlns:r="http://schemas.openxmlformats.org/officeDocument/2006/relationships" xmlns:p="http://schemas.openxmlformats.org/presentationml/2006/main">
-  <p:cSld>
-    <p:spTree>
-      <p:nvGrpSpPr>
-        <p:cNvPr id="1" name=""/>
-        <p:cNvGrpSpPr/>
-        <p:nvPr/>
-      </p:nvGrpSpPr>
-      <p:grpSpPr>
-        <a:xfrm>
-          <a:off x="0" y="0"/>
-          <a:ext cx="0" cy="0"/>
-          <a:chOff x="0" y="0"/>
-          <a:chExt cx="0" cy="0"/>
-        </a:xfrm>
-      </p:grpSpPr>
-      <p:sp>
-        <p:nvSpPr>
-          <p:cNvPr id="2" name="標題 1">
-            <a:extLst>
-              <a:ext uri="{FF2B5EF4-FFF2-40B4-BE49-F238E27FC236}">
-                <a16:creationId xmlns:a16="http://schemas.microsoft.com/office/drawing/2014/main" id="{BAA3558C-D2FC-4C1A-A130-916DFE02C401}"/>
-              </a:ext>
-            </a:extLst>
-          </p:cNvPr>
-          <p:cNvSpPr>
-            <a:spLocks noGrp="1"/>
-          </p:cNvSpPr>
-          <p:nvPr>
-            <p:ph type="title"/>
-          </p:nvPr>
-        </p:nvSpPr>
-        <p:spPr/>
-        <p:txBody>
-          <a:bodyPr/>
-          <a:lstStyle/>
-          <a:p>
-            <a:r>
-              <a:rPr lang="zh-TW" altLang="en-US" dirty="0"/>
-              <a:t>工作分配</a:t>
-            </a:r>
-          </a:p>
-        </p:txBody>
-      </p:sp>
-      <p:sp>
-        <p:nvSpPr>
-          <p:cNvPr id="3" name="內容版面配置區 2">
-            <a:extLst>
-              <a:ext uri="{FF2B5EF4-FFF2-40B4-BE49-F238E27FC236}">
-                <a16:creationId xmlns:a16="http://schemas.microsoft.com/office/drawing/2014/main" id="{65288102-863E-4E7E-B072-794FFF56D11A}"/>
-              </a:ext>
-            </a:extLst>
-          </p:cNvPr>
-          <p:cNvSpPr>
-            <a:spLocks noGrp="1"/>
-          </p:cNvSpPr>
-          <p:nvPr>
-            <p:ph idx="1"/>
-          </p:nvPr>
-        </p:nvSpPr>
-        <p:spPr/>
-        <p:txBody>
-          <a:bodyPr/>
-          <a:lstStyle/>
-          <a:p>
-            <a:r>
-              <a:rPr lang="en-US" altLang="zh-TW" dirty="0"/>
-              <a:t>data</a:t>
-            </a:r>
-            <a:r>
-              <a:rPr lang="zh-TW" altLang="en-US" dirty="0"/>
-              <a:t>前處理 </a:t>
-            </a:r>
-            <a:r>
-              <a:rPr lang="en-US" altLang="zh-TW" dirty="0"/>
-              <a:t>:</a:t>
-            </a:r>
-            <a:r>
-              <a:rPr lang="zh-TW" altLang="en-US" dirty="0"/>
-              <a:t>簡靖岳、楊志穎、徐子杰</a:t>
-            </a:r>
-            <a:endParaRPr lang="en-US" altLang="zh-TW" dirty="0"/>
-          </a:p>
-          <a:p>
-            <a:r>
-              <a:rPr lang="zh-TW" altLang="en-US" dirty="0"/>
-              <a:t>額外</a:t>
-            </a:r>
-            <a:r>
-              <a:rPr lang="en-US" altLang="zh-TW" dirty="0"/>
-              <a:t>feature</a:t>
-            </a:r>
-            <a:r>
-              <a:rPr lang="zh-TW" altLang="en-US" dirty="0"/>
-              <a:t>蒐集</a:t>
-            </a:r>
-            <a:r>
-              <a:rPr lang="en-US" altLang="zh-TW" dirty="0"/>
-              <a:t>:</a:t>
-            </a:r>
-            <a:r>
-              <a:rPr lang="zh-TW" altLang="en-US" dirty="0"/>
-              <a:t>簡靖岳、楊志穎、徐子杰</a:t>
-            </a:r>
-            <a:endParaRPr lang="en-US" altLang="zh-TW" dirty="0"/>
-          </a:p>
-          <a:p>
-            <a:r>
-              <a:rPr lang="zh-TW" altLang="en-US" dirty="0"/>
-              <a:t>模型架構</a:t>
-            </a:r>
-            <a:r>
-              <a:rPr lang="en-US" altLang="zh-TW" dirty="0"/>
-              <a:t>:</a:t>
-            </a:r>
-            <a:r>
-              <a:rPr lang="zh-TW" altLang="en-US" dirty="0"/>
-              <a:t>簡靖岳、楊志穎、徐子杰</a:t>
-            </a:r>
-            <a:endParaRPr lang="en-US" altLang="zh-TW" dirty="0"/>
-          </a:p>
-          <a:p>
-            <a:r>
-              <a:rPr lang="zh-TW" altLang="en-US" dirty="0"/>
-              <a:t>參數</a:t>
-            </a:r>
-            <a:r>
-              <a:rPr lang="en-US" altLang="zh-TW" dirty="0"/>
-              <a:t>fine tune:</a:t>
-            </a:r>
-            <a:r>
-              <a:rPr lang="zh-TW" altLang="en-US" dirty="0"/>
-              <a:t>簡靖岳、楊志穎、徐子杰</a:t>
-            </a:r>
-            <a:endParaRPr lang="en-US" altLang="zh-TW" dirty="0"/>
-          </a:p>
-          <a:p>
-            <a:endParaRPr lang="en-US" altLang="zh-TW" dirty="0"/>
-          </a:p>
-          <a:p>
-            <a:endParaRPr lang="en-US" altLang="zh-TW" dirty="0"/>
-          </a:p>
-          <a:p>
-            <a:endParaRPr lang="zh-TW" altLang="en-US" dirty="0"/>
-          </a:p>
-        </p:txBody>
-      </p:sp>
-    </p:spTree>
-    <p:extLst>
-      <p:ext uri="{BB962C8B-B14F-4D97-AF65-F5344CB8AC3E}">
-        <p14:creationId xmlns:p14="http://schemas.microsoft.com/office/powerpoint/2010/main" val="1929922231"/>
-      </p:ext>
-    </p:extLst>
-  </p:cSld>
-  <p:clrMapOvr>
-    <a:masterClrMapping/>
-  </p:clrMapOvr>
-</p:sld>
-</file>
-
 <file path=ppt/theme/theme1.xml><?xml version="1.0" encoding="utf-8"?>
-<a:theme xmlns:a="http://schemas.openxmlformats.org/drawingml/2006/main" name="木刻字型">
+<a:theme xmlns:a="http://schemas.openxmlformats.org/drawingml/2006/main" name="回顧">
   <a:themeElements>
-    <a:clrScheme name="木刻字型">
+    <a:clrScheme name="回顧">
       <a:dk1>
-        <a:sysClr val="windowText" lastClr="000000"/>
+        <a:srgbClr val="000000"/>
       </a:dk1>
       <a:lt1>
         <a:sysClr val="window" lastClr="FFFFFF"/>
       </a:lt1>
       <a:dk2>
-        <a:srgbClr val="84ACB6"/>
+        <a:srgbClr val="637052"/>
       </a:dk2>
       <a:lt2>
-        <a:srgbClr val="EBE9DD"/>
+        <a:srgbClr val="CCDDEA"/>
       </a:lt2>
       <a:accent1>
-        <a:srgbClr val="6F8183"/>
+        <a:srgbClr val="E48312"/>
       </a:accent1>
       <a:accent2>
-        <a:srgbClr val="967E96"/>
+        <a:srgbClr val="BD582C"/>
       </a:accent2>
       <a:accent3>
-        <a:srgbClr val="CCC893"/>
+        <a:srgbClr val="865640"/>
       </a:accent3>
       <a:accent4>
-        <a:srgbClr val="A54D74"/>
+        <a:srgbClr val="9B8357"/>
       </a:accent4>
       <a:accent5>
-        <a:srgbClr val="949C6B"/>
+        <a:srgbClr val="C2BC80"/>
       </a:accent5>
       <a:accent6>
-        <a:srgbClr val="766A50"/>
+        <a:srgbClr val="94A088"/>
       </a:accent6>
       <a:hlink>
-        <a:srgbClr val="CC6600"/>
+        <a:srgbClr val="2998E3"/>
       </a:hlink>
       <a:folHlink>
-        <a:srgbClr val="777777"/>
+        <a:srgbClr val="8C8C8C"/>
       </a:folHlink>
     </a:clrScheme>
-    <a:fontScheme name="木刻字型">
+    <a:fontScheme name="回顧">
       <a:majorFont>
-        <a:latin typeface="Century Gothic" panose="020B0502020202020204"/>
+        <a:latin typeface="Calibri Light" panose="020F0302020204030204"/>
         <a:ea typeface=""/>
         <a:cs typeface=""/>
-        <a:font script="Jpan" typeface="HGｺﾞｼｯｸM"/>
-        <a:font script="Hang" typeface="HY중고딕"/>
-        <a:font script="Hans" typeface="幼圆"/>
-        <a:font script="Hant" typeface="微軟正黑體"/>
-        <a:font script="Arab" typeface="Tahoma"/>
-        <a:font script="Hebr" typeface="Gisha"/>
-        <a:font script="Thai" typeface="DilleniaUPC"/>
-        <a:font script="Ethi" typeface="Nyala"/>
-        <a:font script="Beng" typeface="Vrinda"/>
-        <a:font script="Gujr" typeface="Shruti"/>
-        <a:font script="Khmr" typeface="DaunPenh"/>
-        <a:font script="Knda" typeface="Tunga"/>
-        <a:font script="Guru" typeface="Raavi"/>
-        <a:font script="Cans" typeface="Euphemia"/>
-        <a:font script="Cher" typeface="Plantagenet Cherokee"/>
-        <a:font script="Yiii" typeface="Microsoft Yi Baiti"/>
-        <a:font script="Tibt" typeface="Microsoft Himalaya"/>
-        <a:font script="Thaa" typeface="MV Boli"/>
-        <a:font script="Deva" typeface="Mangal"/>
-        <a:font script="Telu" typeface="Gautami"/>
-        <a:font script="Taml" typeface="Latha"/>
-        <a:font script="Syrc" typeface="Estrangelo Edessa"/>
-        <a:font script="Orya" typeface="Kalinga"/>
-        <a:font script="Mlym" typeface="Kartika"/>
-        <a:font script="Laoo" typeface="DokChampa"/>
-        <a:font script="Sinh" typeface="Iskoola Pota"/>
-        <a:font script="Mong" typeface="Mongolian Baiti"/>
-        <a:font script="Viet" typeface="Tahoma"/>
-        <a:font script="Uigh" typeface="Microsoft Uighur"/>
-      </a:majorFont>
-      <a:minorFont>
-        <a:latin typeface="Bookman Old Style" panose="02050604050505020204"/>
-        <a:ea typeface=""/>
-        <a:cs typeface=""/>
-        <a:font script="Grek" typeface="Cambria"/>
-        <a:font script="Cyrl" typeface="Cambria"/>
-        <a:font script="Jpan" typeface="HG明朝E"/>
-        <a:font script="Hang" typeface="돋움"/>
+        <a:font script="Jpan" typeface="ＭＳ Ｐゴシック"/>
+        <a:font script="Hang" typeface="맑은 고딕"/>
         <a:font script="Hans" typeface="宋体"/>
-        <a:font script="Hant" typeface="標楷體"/>
+        <a:font script="Hant" typeface="新細明體"/>
         <a:font script="Arab" typeface="Times New Roman"/>
         <a:font script="Hebr" typeface="Times New Roman"/>
-        <a:font script="Thai" typeface="Browallia New"/>
+        <a:font script="Thai" typeface="Angsana New"/>
         <a:font script="Ethi" typeface="Nyala"/>
         <a:font script="Beng" typeface="Vrinda"/>
         <a:font script="Gujr" typeface="Shruti"/>
@@ -6270,57 +6450,124 @@
         <a:font script="Mong" typeface="Mongolian Baiti"/>
         <a:font script="Viet" typeface="Times New Roman"/>
         <a:font script="Uigh" typeface="Microsoft Uighur"/>
+        <a:font script="Geor" typeface="Sylfaen"/>
+      </a:majorFont>
+      <a:minorFont>
+        <a:latin typeface="Calibri" panose="020F0502020204030204"/>
+        <a:ea typeface=""/>
+        <a:cs typeface=""/>
+        <a:font script="Jpan" typeface="ＭＳ Ｐゴシック"/>
+        <a:font script="Hang" typeface="맑은 고딕"/>
+        <a:font script="Hans" typeface="宋体"/>
+        <a:font script="Hant" typeface="新細明體"/>
+        <a:font script="Arab" typeface="Arial"/>
+        <a:font script="Hebr" typeface="Arial"/>
+        <a:font script="Thai" typeface="Cordia New"/>
+        <a:font script="Ethi" typeface="Nyala"/>
+        <a:font script="Beng" typeface="Vrinda"/>
+        <a:font script="Gujr" typeface="Shruti"/>
+        <a:font script="Khmr" typeface="DaunPenh"/>
+        <a:font script="Knda" typeface="Tunga"/>
+        <a:font script="Guru" typeface="Raavi"/>
+        <a:font script="Cans" typeface="Euphemia"/>
+        <a:font script="Cher" typeface="Plantagenet Cherokee"/>
+        <a:font script="Yiii" typeface="Microsoft Yi Baiti"/>
+        <a:font script="Tibt" typeface="Microsoft Himalaya"/>
+        <a:font script="Thaa" typeface="MV Boli"/>
+        <a:font script="Deva" typeface="Mangal"/>
+        <a:font script="Telu" typeface="Gautami"/>
+        <a:font script="Taml" typeface="Latha"/>
+        <a:font script="Syrc" typeface="Estrangelo Edessa"/>
+        <a:font script="Orya" typeface="Kalinga"/>
+        <a:font script="Mlym" typeface="Kartika"/>
+        <a:font script="Laoo" typeface="DokChampa"/>
+        <a:font script="Sinh" typeface="Iskoola Pota"/>
+        <a:font script="Mong" typeface="Mongolian Baiti"/>
+        <a:font script="Viet" typeface="Arial"/>
+        <a:font script="Uigh" typeface="Microsoft Uighur"/>
+        <a:font script="Geor" typeface="Sylfaen"/>
       </a:minorFont>
     </a:fontScheme>
-    <a:fmtScheme name="木刻字型">
+    <a:fmtScheme name="回顧">
       <a:fillStyleLst>
         <a:solidFill>
           <a:schemeClr val="phClr"/>
         </a:solidFill>
-        <a:blipFill rotWithShape="1">
-          <a:blip xmlns:r="http://schemas.openxmlformats.org/officeDocument/2006/relationships" r:embed="rId1">
-            <a:duotone>
+        <a:gradFill rotWithShape="1">
+          <a:gsLst>
+            <a:gs pos="0">
               <a:schemeClr val="phClr">
-                <a:tint val="70000"/>
-                <a:shade val="63000"/>
+                <a:tint val="65000"/>
+                <a:shade val="92000"/>
+                <a:satMod val="130000"/>
               </a:schemeClr>
+            </a:gs>
+            <a:gs pos="45000">
               <a:schemeClr val="phClr">
-                <a:tint val="10000"/>
-                <a:satMod val="150000"/>
-              </a:schemeClr>
-            </a:duotone>
-          </a:blip>
-          <a:tile tx="0" ty="0" sx="60000" sy="59000" flip="none" algn="tl"/>
-        </a:blipFill>
-        <a:blipFill rotWithShape="1">
-          <a:blip xmlns:r="http://schemas.openxmlformats.org/officeDocument/2006/relationships" r:embed="rId1">
-            <a:duotone>
-              <a:schemeClr val="phClr">
-                <a:shade val="36000"/>
+                <a:tint val="60000"/>
+                <a:shade val="99000"/>
                 <a:satMod val="120000"/>
               </a:schemeClr>
+            </a:gs>
+            <a:gs pos="100000">
               <a:schemeClr val="phClr">
-                <a:tint val="40000"/>
+                <a:tint val="55000"/>
+                <a:satMod val="140000"/>
               </a:schemeClr>
-            </a:duotone>
-          </a:blip>
-          <a:tile tx="0" ty="0" sx="60000" sy="59000" flip="none" algn="tl"/>
-        </a:blipFill>
+            </a:gs>
+          </a:gsLst>
+          <a:path path="circle">
+            <a:fillToRect l="100000" t="100000" r="100000" b="100000"/>
+          </a:path>
+        </a:gradFill>
+        <a:gradFill rotWithShape="1">
+          <a:gsLst>
+            <a:gs pos="0">
+              <a:schemeClr val="phClr">
+                <a:shade val="85000"/>
+                <a:satMod val="130000"/>
+              </a:schemeClr>
+            </a:gs>
+            <a:gs pos="34000">
+              <a:schemeClr val="phClr">
+                <a:shade val="87000"/>
+                <a:satMod val="125000"/>
+              </a:schemeClr>
+            </a:gs>
+            <a:gs pos="70000">
+              <a:schemeClr val="phClr">
+                <a:tint val="100000"/>
+                <a:shade val="90000"/>
+                <a:satMod val="130000"/>
+              </a:schemeClr>
+            </a:gs>
+            <a:gs pos="100000">
+              <a:schemeClr val="phClr">
+                <a:tint val="100000"/>
+                <a:shade val="100000"/>
+                <a:satMod val="110000"/>
+              </a:schemeClr>
+            </a:gs>
+          </a:gsLst>
+          <a:path path="circle">
+            <a:fillToRect l="100000" t="100000" r="100000" b="100000"/>
+          </a:path>
+        </a:gradFill>
       </a:fillStyleLst>
       <a:lnStyleLst>
-        <a:ln w="6350" cap="flat" cmpd="sng" algn="ctr">
-          <a:solidFill>
-            <a:schemeClr val="phClr"/>
-          </a:solidFill>
-          <a:prstDash val="solid"/>
-        </a:ln>
         <a:ln w="12700" cap="flat" cmpd="sng" algn="ctr">
           <a:solidFill>
             <a:schemeClr val="phClr"/>
           </a:solidFill>
           <a:prstDash val="solid"/>
         </a:ln>
-        <a:ln w="19050" cap="flat" cmpd="sng" algn="ctr">
+        <a:ln w="15875" cap="flat" cmpd="sng" algn="ctr">
+          <a:solidFill>
+            <a:schemeClr val="phClr"/>
+          </a:solidFill>
+          <a:prstDash val="solid"/>
+        </a:ln>
+        <a:ln w="25400" cap="flat" cmpd="sng" algn="ctr">
           <a:solidFill>
             <a:schemeClr val="phClr"/>
           </a:solidFill>
@@ -6333,18 +6580,32 @@
         </a:effectStyle>
         <a:effectStyle>
           <a:effectLst>
-            <a:softEdge rad="12700"/>
+            <a:outerShdw blurRad="38100" dist="25400" dir="2700000" algn="br" rotWithShape="0">
+              <a:srgbClr val="000000">
+                <a:alpha val="60000"/>
+              </a:srgbClr>
+            </a:outerShdw>
           </a:effectLst>
         </a:effectStyle>
         <a:effectStyle>
           <a:effectLst>
-            <a:outerShdw blurRad="50800" dist="19050" dir="5400000" algn="tl" rotWithShape="0">
+            <a:outerShdw blurRad="44450" dist="25400" dir="2700000" algn="br" rotWithShape="0">
               <a:srgbClr val="000000">
                 <a:alpha val="60000"/>
               </a:srgbClr>
             </a:outerShdw>
-            <a:softEdge rad="12700"/>
           </a:effectLst>
+          <a:scene3d>
+            <a:camera prst="orthographicFront">
+              <a:rot lat="0" lon="0" rev="0"/>
+            </a:camera>
+            <a:lightRig rig="threePt" dir="t">
+              <a:rot lat="0" lon="0" rev="19800000"/>
+            </a:lightRig>
+          </a:scene3d>
+          <a:sp3d prstMaterial="flat">
+            <a:bevelT w="25400" h="31750"/>
+          </a:sp3d>
         </a:effectStyle>
       </a:effectStyleLst>
       <a:bgFillStyleLst>
@@ -6353,26 +6614,37 @@
         </a:solidFill>
         <a:solidFill>
           <a:schemeClr val="phClr">
+            <a:tint val="90000"/>
             <a:shade val="97000"/>
-            <a:satMod val="150000"/>
+            <a:satMod val="130000"/>
           </a:schemeClr>
         </a:solidFill>
-        <a:blipFill rotWithShape="1">
-          <a:blip xmlns:r="http://schemas.openxmlformats.org/officeDocument/2006/relationships" r:embed="rId1">
-            <a:duotone>
+        <a:gradFill rotWithShape="1">
+          <a:gsLst>
+            <a:gs pos="0">
               <a:schemeClr val="phClr">
-                <a:tint val="75000"/>
-                <a:shade val="58000"/>
+                <a:tint val="96000"/>
+                <a:shade val="99000"/>
+                <a:satMod val="140000"/>
+              </a:schemeClr>
+            </a:gs>
+            <a:gs pos="65000">
+              <a:schemeClr val="phClr">
+                <a:tint val="100000"/>
+                <a:shade val="80000"/>
+                <a:satMod val="130000"/>
+              </a:schemeClr>
+            </a:gs>
+            <a:gs pos="100000">
+              <a:schemeClr val="phClr">
+                <a:tint val="100000"/>
+                <a:shade val="48000"/>
                 <a:satMod val="120000"/>
               </a:schemeClr>
-              <a:schemeClr val="phClr">
-                <a:tint val="50000"/>
-                <a:shade val="96000"/>
-              </a:schemeClr>
-            </a:duotone>
-          </a:blip>
-          <a:tile tx="0" ty="0" sx="100000" sy="100000" flip="none" algn="tl"/>
-        </a:blipFill>
+            </a:gs>
+          </a:gsLst>
+          <a:lin ang="16200000" scaled="0"/>
+        </a:gradFill>
       </a:bgFillStyleLst>
     </a:fmtScheme>
   </a:themeElements>
@@ -6380,7 +6652,7 @@
   <a:extraClrSchemeLst/>
   <a:extLst>
     <a:ext uri="{05A4C25C-085E-4340-85A3-A5531E510DB2}">
-      <thm15:themeFamily xmlns:thm15="http://schemas.microsoft.com/office/thememl/2012/main" name="Wood Type" id="{7ACABC62-BF99-48CF-A9DC-4DB89C7B13DC}" vid="{8E89CD47-BF55-4DDE-B823-2283AA7E7695}"/>
+      <thm15:themeFamily xmlns:thm15="http://schemas.microsoft.com/office/thememl/2012/main" name="Retrospect" id="{5F128B03-DCCA-4EEB-AB3B-CF2899314A46}" vid="{3F1AAB62-24C6-49D2-8E01-B56FAC9A3DCD}"/>
     </a:ext>
   </a:extLst>
 </a:theme>
